--- a/reports/slides/othermodels_equipo_08.pptx
+++ b/reports/slides/othermodels_equipo_08.pptx
@@ -5,15 +5,11 @@
     <p:sldMasterId id="2147483648" r:id="rId1"/>
   </p:sldMasterIdLst>
   <p:notesMasterIdLst>
-    <p:notesMasterId r:id="rId8"/>
+    <p:notesMasterId r:id="rId4"/>
   </p:notesMasterIdLst>
   <p:sldIdLst>
     <p:sldId id="264" r:id="rId2"/>
-    <p:sldId id="265" r:id="rId3"/>
-    <p:sldId id="266" r:id="rId4"/>
-    <p:sldId id="267" r:id="rId5"/>
-    <p:sldId id="268" r:id="rId6"/>
-    <p:sldId id="269" r:id="rId7"/>
+    <p:sldId id="271" r:id="rId3"/>
   </p:sldIdLst>
   <p:sldSz cx="9144000" cy="6858000" type="screen4x3"/>
   <p:notesSz cx="6858000" cy="9144000"/>
@@ -3607,7 +3603,13 @@
       </p:grpSpPr>
       <p:sp>
         <p:nvSpPr>
-          <p:cNvPr id="5122" name="Título 1"/>
+          <p:cNvPr id="9" name="Título 1">
+            <a:extLst>
+              <a:ext uri="{FF2B5EF4-FFF2-40B4-BE49-F238E27FC236}">
+                <a16:creationId xmlns:a16="http://schemas.microsoft.com/office/drawing/2014/main" id="{23C73C8E-6C08-A6DF-5824-FAEB24E8DFEC}"/>
+              </a:ext>
+            </a:extLst>
+          </p:cNvPr>
           <p:cNvSpPr>
             <a:spLocks noGrp="1"/>
           </p:cNvSpPr>
@@ -3617,7 +3619,7 @@
         </p:nvSpPr>
         <p:spPr>
           <a:xfrm>
-            <a:off x="971600" y="1583696"/>
+            <a:off x="611560" y="1916832"/>
             <a:ext cx="8229600" cy="500063"/>
           </a:xfrm>
         </p:spPr>
@@ -3652,59 +3654,64 @@
             </a:r>
             <a:r>
               <a:rPr lang="es-CO" altLang="es-CO" dirty="0" err="1"/>
-              <a:t>XGBoost</a:t>
+              <a:t>Random</a:t>
             </a:r>
             <a:r>
               <a:rPr lang="es-CO" altLang="es-CO" dirty="0"/>
-              <a:t> + CART Ensemble</a:t>
-            </a:r>
-          </a:p>
-        </p:txBody>
-      </p:sp>
-      <p:sp>
-        <p:nvSpPr>
-          <p:cNvPr id="2" name="Marcador de contenido 1"/>
-          <p:cNvSpPr>
-            <a:spLocks noGrp="1"/>
-          </p:cNvSpPr>
-          <p:nvPr>
-            <p:ph idx="1"/>
-          </p:nvPr>
+              <a:t> Forest CV espacial</a:t>
+            </a:r>
+          </a:p>
+        </p:txBody>
+      </p:sp>
+      <p:sp>
+        <p:nvSpPr>
+          <p:cNvPr id="11" name="CuadroTexto 10">
+            <a:extLst>
+              <a:ext uri="{FF2B5EF4-FFF2-40B4-BE49-F238E27FC236}">
+                <a16:creationId xmlns:a16="http://schemas.microsoft.com/office/drawing/2014/main" id="{45F5ABE4-E37F-C457-F840-318F45C07DB3}"/>
+              </a:ext>
+            </a:extLst>
+          </p:cNvPr>
+          <p:cNvSpPr txBox="1"/>
+          <p:nvPr/>
         </p:nvSpPr>
         <p:spPr>
           <a:xfrm>
-            <a:off x="1040708" y="4910286"/>
-            <a:ext cx="7858125" cy="1432743"/>
+            <a:off x="1043608" y="5013176"/>
+            <a:ext cx="7165291" cy="1200329"/>
           </a:xfrm>
+          <a:prstGeom prst="rect">
+            <a:avLst/>
+          </a:prstGeom>
+          <a:noFill/>
         </p:spPr>
         <p:txBody>
-          <a:bodyPr/>
+          <a:bodyPr wrap="square">
+            <a:spAutoFit/>
+          </a:bodyPr>
           <a:lstStyle/>
           <a:p>
             <a:r>
               <a:rPr lang="es-ES" dirty="0"/>
-              <a:t>El modelo fue seleccionado porque logra </a:t>
-            </a:r>
-            <a:r>
-              <a:rPr lang="es-ES" b="1" dirty="0"/>
-              <a:t>mayor estabilidad y precisión</a:t>
+              <a:t>Usando el CV espacial se generalizaron mejor las zonas no vistas. El ensamble por </a:t>
+            </a:r>
+            <a:r>
+              <a:rPr lang="es-ES" dirty="0" err="1"/>
+              <a:t>folds</a:t>
             </a:r>
             <a:r>
               <a:rPr lang="es-ES" dirty="0"/>
-              <a:t>, mejorando el F1-score frente a todos los modelos individuales y manteniendo una estructura explicativa que facilita su interpretación.</a:t>
-            </a:r>
-          </a:p>
-          <a:p>
-            <a:endParaRPr lang="es-CO" dirty="0"/>
+              <a:t> reduce varianza y el bosque capta no linealidades e interacciones entre tamaño, ubicación, distancias y amenidades, entregando predicciones estables sin sobreajuste.</a:t>
+            </a:r>
           </a:p>
         </p:txBody>
       </p:sp>
       <p:pic>
         <p:nvPicPr>
-          <p:cNvPr id="5" name="Imagen 4">
+          <p:cNvPr id="3" name="Imagen 2">
             <a:extLst>
               <a:ext uri="{FF2B5EF4-FFF2-40B4-BE49-F238E27FC236}">
-                <a16:creationId xmlns:a16="http://schemas.microsoft.com/office/drawing/2014/main" id="{A8983FE9-07D1-066B-992A-8342F7FFC68E}"/>
+                <a16:creationId xmlns:a16="http://schemas.microsoft.com/office/drawing/2014/main" id="{4909DD69-D753-B1D1-93EE-4D3287566080}"/>
               </a:ext>
             </a:extLst>
           </p:cNvPr>
@@ -3727,8 +3734,8 @@
         </p:blipFill>
         <p:spPr>
           <a:xfrm>
-            <a:off x="901050" y="2083759"/>
-            <a:ext cx="8242950" cy="2425361"/>
+            <a:off x="755576" y="2370580"/>
+            <a:ext cx="8424780" cy="2282556"/>
           </a:xfrm>
           <a:prstGeom prst="rect">
             <a:avLst/>
@@ -3738,1859 +3745,7 @@
     </p:spTree>
     <p:extLst>
       <p:ext uri="{BB962C8B-B14F-4D97-AF65-F5344CB8AC3E}">
-        <p14:creationId xmlns:p14="http://schemas.microsoft.com/office/powerpoint/2010/main" val="3163502875"/>
-      </p:ext>
-    </p:extLst>
-  </p:cSld>
-  <p:clrMapOvr>
-    <a:masterClrMapping/>
-  </p:clrMapOvr>
-</p:sld>
-</file>
-
-<file path=ppt/slides/slide3.xml><?xml version="1.0" encoding="utf-8"?>
-<p:sld xmlns:a="http://schemas.openxmlformats.org/drawingml/2006/main" xmlns:r="http://schemas.openxmlformats.org/officeDocument/2006/relationships" xmlns:p="http://schemas.openxmlformats.org/presentationml/2006/main">
-  <p:cSld>
-    <p:spTree>
-      <p:nvGrpSpPr>
-        <p:cNvPr id="1" name=""/>
-        <p:cNvGrpSpPr/>
-        <p:nvPr/>
-      </p:nvGrpSpPr>
-      <p:grpSpPr>
-        <a:xfrm>
-          <a:off x="0" y="0"/>
-          <a:ext cx="0" cy="0"/>
-          <a:chOff x="0" y="0"/>
-          <a:chExt cx="0" cy="0"/>
-        </a:xfrm>
-      </p:grpSpPr>
-      <p:sp>
-        <p:nvSpPr>
-          <p:cNvPr id="2" name="Título 1">
-            <a:extLst>
-              <a:ext uri="{FF2B5EF4-FFF2-40B4-BE49-F238E27FC236}">
-                <a16:creationId xmlns:a16="http://schemas.microsoft.com/office/drawing/2014/main" id="{0CFA7EE9-6336-1A48-2A0F-D1E429F1747E}"/>
-              </a:ext>
-            </a:extLst>
-          </p:cNvPr>
-          <p:cNvSpPr>
-            <a:spLocks noGrp="1"/>
-          </p:cNvSpPr>
-          <p:nvPr>
-            <p:ph type="title"/>
-          </p:nvPr>
-        </p:nvSpPr>
-        <p:spPr>
-          <a:xfrm>
-            <a:off x="1043608" y="1562375"/>
-            <a:ext cx="8229600" cy="500062"/>
-          </a:xfrm>
-        </p:spPr>
-        <p:txBody>
-          <a:bodyPr/>
-          <a:lstStyle/>
-          <a:p>
-            <a:r>
-              <a:rPr lang="en-US" dirty="0" err="1"/>
-              <a:t>Comparación</a:t>
-            </a:r>
-            <a:r>
-              <a:rPr lang="en-US" dirty="0"/>
-              <a:t> de </a:t>
-            </a:r>
-            <a:r>
-              <a:rPr lang="en-US" dirty="0" err="1"/>
-              <a:t>modelos</a:t>
-            </a:r>
-            <a:endParaRPr lang="en-US" dirty="0"/>
-          </a:p>
-        </p:txBody>
-      </p:sp>
-      <p:pic>
-        <p:nvPicPr>
-          <p:cNvPr id="5" name="Marcador de contenido 4">
-            <a:extLst>
-              <a:ext uri="{FF2B5EF4-FFF2-40B4-BE49-F238E27FC236}">
-                <a16:creationId xmlns:a16="http://schemas.microsoft.com/office/drawing/2014/main" id="{5CDEE2FF-3160-6F4F-7E33-48E58AC78298}"/>
-              </a:ext>
-            </a:extLst>
-          </p:cNvPr>
-          <p:cNvPicPr>
-            <a:picLocks noGrp="1" noChangeAspect="1"/>
-          </p:cNvPicPr>
-          <p:nvPr>
-            <p:ph idx="1"/>
-          </p:nvPr>
-        </p:nvPicPr>
-        <p:blipFill>
-          <a:blip r:embed="rId2">
-            <a:extLst>
-              <a:ext uri="{28A0092B-C50C-407E-A947-70E740481C1C}">
-                <a14:useLocalDpi xmlns:a14="http://schemas.microsoft.com/office/drawing/2010/main" val="0"/>
-              </a:ext>
-            </a:extLst>
-          </a:blip>
-          <a:stretch>
-            <a:fillRect/>
-          </a:stretch>
-        </p:blipFill>
-        <p:spPr>
-          <a:xfrm>
-            <a:off x="914400" y="2032399"/>
-            <a:ext cx="8138936" cy="2793201"/>
-          </a:xfrm>
-        </p:spPr>
-      </p:pic>
-      <p:sp>
-        <p:nvSpPr>
-          <p:cNvPr id="6" name="CuadroTexto 5">
-            <a:extLst>
-              <a:ext uri="{FF2B5EF4-FFF2-40B4-BE49-F238E27FC236}">
-                <a16:creationId xmlns:a16="http://schemas.microsoft.com/office/drawing/2014/main" id="{80055CED-A0DC-F09D-2615-49895DF964B6}"/>
-              </a:ext>
-            </a:extLst>
-          </p:cNvPr>
-          <p:cNvSpPr txBox="1"/>
-          <p:nvPr/>
-        </p:nvSpPr>
-        <p:spPr>
-          <a:xfrm>
-            <a:off x="1331640" y="5220207"/>
-            <a:ext cx="7560840" cy="1077218"/>
-          </a:xfrm>
-          <a:prstGeom prst="rect">
-            <a:avLst/>
-          </a:prstGeom>
-          <a:noFill/>
-        </p:spPr>
-        <p:txBody>
-          <a:bodyPr wrap="square" rtlCol="0">
-            <a:spAutoFit/>
-          </a:bodyPr>
-          <a:lstStyle/>
-          <a:p>
-            <a:pPr marL="285750" indent="-285750">
-              <a:buFont typeface="Arial" panose="020B0604020202020204" pitchFamily="34" charset="0"/>
-              <a:buChar char="•"/>
-            </a:pPr>
-            <a:r>
-              <a:rPr lang="es-ES" sz="1600" dirty="0"/>
-              <a:t>Los modelos lineales fueron más interpretables, pero menos flexibles.</a:t>
-            </a:r>
-          </a:p>
-          <a:p>
-            <a:pPr marL="285750" indent="-285750">
-              <a:buFont typeface="Arial" panose="020B0604020202020204" pitchFamily="34" charset="0"/>
-              <a:buChar char="•"/>
-            </a:pPr>
-            <a:r>
-              <a:rPr lang="es-ES" sz="1600" dirty="0"/>
-              <a:t>Los modelos de árboles captaron relaciones más complejas en los datos.</a:t>
-            </a:r>
-          </a:p>
-          <a:p>
-            <a:pPr marL="285750" indent="-285750">
-              <a:buFont typeface="Arial" panose="020B0604020202020204" pitchFamily="34" charset="0"/>
-              <a:buChar char="•"/>
-            </a:pPr>
-            <a:r>
-              <a:rPr lang="es-ES" sz="1600" dirty="0"/>
-              <a:t>El ensamble </a:t>
-            </a:r>
-            <a:r>
-              <a:rPr lang="es-ES" sz="1600" dirty="0" err="1"/>
-              <a:t>XGBoost</a:t>
-            </a:r>
-            <a:r>
-              <a:rPr lang="es-ES" sz="1600" dirty="0"/>
-              <a:t>–CART combinó ambos enfoques y logró el mejor equilibrio general.</a:t>
-            </a:r>
-            <a:endParaRPr lang="en-US" sz="1600" dirty="0"/>
-          </a:p>
-        </p:txBody>
-      </p:sp>
-    </p:spTree>
-    <p:extLst>
-      <p:ext uri="{BB962C8B-B14F-4D97-AF65-F5344CB8AC3E}">
-        <p14:creationId xmlns:p14="http://schemas.microsoft.com/office/powerpoint/2010/main" val="146639435"/>
-      </p:ext>
-    </p:extLst>
-  </p:cSld>
-  <p:clrMapOvr>
-    <a:masterClrMapping/>
-  </p:clrMapOvr>
-</p:sld>
-</file>
-
-<file path=ppt/slides/slide4.xml><?xml version="1.0" encoding="utf-8"?>
-<p:sld xmlns:a="http://schemas.openxmlformats.org/drawingml/2006/main" xmlns:r="http://schemas.openxmlformats.org/officeDocument/2006/relationships" xmlns:p="http://schemas.openxmlformats.org/presentationml/2006/main">
-  <p:cSld>
-    <p:spTree>
-      <p:nvGrpSpPr>
-        <p:cNvPr id="1" name=""/>
-        <p:cNvGrpSpPr/>
-        <p:nvPr/>
-      </p:nvGrpSpPr>
-      <p:grpSpPr>
-        <a:xfrm>
-          <a:off x="0" y="0"/>
-          <a:ext cx="0" cy="0"/>
-          <a:chOff x="0" y="0"/>
-          <a:chExt cx="0" cy="0"/>
-        </a:xfrm>
-      </p:grpSpPr>
-      <p:sp>
-        <p:nvSpPr>
-          <p:cNvPr id="2" name="Título 1">
-            <a:extLst>
-              <a:ext uri="{FF2B5EF4-FFF2-40B4-BE49-F238E27FC236}">
-                <a16:creationId xmlns:a16="http://schemas.microsoft.com/office/drawing/2014/main" id="{44845C44-F077-BDC7-EF53-5E1F10782C72}"/>
-              </a:ext>
-            </a:extLst>
-          </p:cNvPr>
-          <p:cNvSpPr>
-            <a:spLocks noGrp="1"/>
-          </p:cNvSpPr>
-          <p:nvPr>
-            <p:ph type="title"/>
-          </p:nvPr>
-        </p:nvSpPr>
-        <p:spPr>
-          <a:xfrm>
-            <a:off x="4211960" y="764704"/>
-            <a:ext cx="8229600" cy="500062"/>
-          </a:xfrm>
-        </p:spPr>
-        <p:txBody>
-          <a:bodyPr/>
-          <a:lstStyle/>
-          <a:p>
-            <a:r>
-              <a:rPr lang="en-US" dirty="0" err="1"/>
-              <a:t>Resultados</a:t>
-            </a:r>
-            <a:r>
-              <a:rPr lang="en-US" dirty="0"/>
-              <a:t> Kaggle</a:t>
-            </a:r>
-          </a:p>
-        </p:txBody>
-      </p:sp>
-      <p:pic>
-        <p:nvPicPr>
-          <p:cNvPr id="8" name="Marcador de contenido 7">
-            <a:extLst>
-              <a:ext uri="{FF2B5EF4-FFF2-40B4-BE49-F238E27FC236}">
-                <a16:creationId xmlns:a16="http://schemas.microsoft.com/office/drawing/2014/main" id="{ADCDBDF1-A4CF-DB2E-C7AB-C6FAB1764D51}"/>
-              </a:ext>
-            </a:extLst>
-          </p:cNvPr>
-          <p:cNvPicPr>
-            <a:picLocks noGrp="1" noChangeAspect="1"/>
-          </p:cNvPicPr>
-          <p:nvPr>
-            <p:ph idx="1"/>
-          </p:nvPr>
-        </p:nvPicPr>
-        <p:blipFill>
-          <a:blip r:embed="rId2">
-            <a:extLst>
-              <a:ext uri="{28A0092B-C50C-407E-A947-70E740481C1C}">
-                <a14:useLocalDpi xmlns:a14="http://schemas.microsoft.com/office/drawing/2010/main" val="0"/>
-              </a:ext>
-            </a:extLst>
-          </a:blip>
-          <a:stretch>
-            <a:fillRect/>
-          </a:stretch>
-        </p:blipFill>
-        <p:spPr>
-          <a:xfrm>
-            <a:off x="572291" y="1416771"/>
-            <a:ext cx="7999418" cy="4479206"/>
-          </a:xfrm>
-        </p:spPr>
-      </p:pic>
-    </p:spTree>
-    <p:extLst>
-      <p:ext uri="{BB962C8B-B14F-4D97-AF65-F5344CB8AC3E}">
-        <p14:creationId xmlns:p14="http://schemas.microsoft.com/office/powerpoint/2010/main" val="113547467"/>
-      </p:ext>
-    </p:extLst>
-  </p:cSld>
-  <p:clrMapOvr>
-    <a:masterClrMapping/>
-  </p:clrMapOvr>
-</p:sld>
-</file>
-
-<file path=ppt/slides/slide5.xml><?xml version="1.0" encoding="utf-8"?>
-<p:sld xmlns:a="http://schemas.openxmlformats.org/drawingml/2006/main" xmlns:r="http://schemas.openxmlformats.org/officeDocument/2006/relationships" xmlns:p="http://schemas.openxmlformats.org/presentationml/2006/main">
-  <p:cSld>
-    <p:spTree>
-      <p:nvGrpSpPr>
-        <p:cNvPr id="1" name=""/>
-        <p:cNvGrpSpPr/>
-        <p:nvPr/>
-      </p:nvGrpSpPr>
-      <p:grpSpPr>
-        <a:xfrm>
-          <a:off x="0" y="0"/>
-          <a:ext cx="0" cy="0"/>
-          <a:chOff x="0" y="0"/>
-          <a:chExt cx="0" cy="0"/>
-        </a:xfrm>
-      </p:grpSpPr>
-      <p:sp>
-        <p:nvSpPr>
-          <p:cNvPr id="2" name="Título 1">
-            <a:extLst>
-              <a:ext uri="{FF2B5EF4-FFF2-40B4-BE49-F238E27FC236}">
-                <a16:creationId xmlns:a16="http://schemas.microsoft.com/office/drawing/2014/main" id="{50574A81-1D4C-C8F3-D336-FB679573537B}"/>
-              </a:ext>
-            </a:extLst>
-          </p:cNvPr>
-          <p:cNvSpPr>
-            <a:spLocks noGrp="1"/>
-          </p:cNvSpPr>
-          <p:nvPr>
-            <p:ph type="title"/>
-          </p:nvPr>
-        </p:nvSpPr>
-        <p:spPr>
-          <a:xfrm>
-            <a:off x="1034218" y="1844824"/>
-            <a:ext cx="2304256" cy="500062"/>
-          </a:xfrm>
-        </p:spPr>
-        <p:txBody>
-          <a:bodyPr/>
-          <a:lstStyle/>
-          <a:p>
-            <a:r>
-              <a:rPr lang="en-US" dirty="0" err="1"/>
-              <a:t>Limitaciones</a:t>
-            </a:r>
-            <a:endParaRPr lang="en-US" dirty="0"/>
-          </a:p>
-        </p:txBody>
-      </p:sp>
-      <p:pic>
-        <p:nvPicPr>
-          <p:cNvPr id="5" name="Marcador de contenido 4">
-            <a:extLst>
-              <a:ext uri="{FF2B5EF4-FFF2-40B4-BE49-F238E27FC236}">
-                <a16:creationId xmlns:a16="http://schemas.microsoft.com/office/drawing/2014/main" id="{7A162529-E8A0-F7DE-C118-B494E52D1DF4}"/>
-              </a:ext>
-            </a:extLst>
-          </p:cNvPr>
-          <p:cNvPicPr>
-            <a:picLocks noGrp="1" noChangeAspect="1"/>
-          </p:cNvPicPr>
-          <p:nvPr>
-            <p:ph idx="1"/>
-          </p:nvPr>
-        </p:nvPicPr>
-        <p:blipFill>
-          <a:blip r:embed="rId2">
-            <a:extLst>
-              <a:ext uri="{28A0092B-C50C-407E-A947-70E740481C1C}">
-                <a14:useLocalDpi xmlns:a14="http://schemas.microsoft.com/office/drawing/2010/main" val="0"/>
-              </a:ext>
-            </a:extLst>
-          </a:blip>
-          <a:stretch>
-            <a:fillRect/>
-          </a:stretch>
-        </p:blipFill>
-        <p:spPr>
-          <a:xfrm>
-            <a:off x="1034218" y="2420888"/>
-            <a:ext cx="8077769" cy="2380259"/>
-          </a:xfrm>
-        </p:spPr>
-      </p:pic>
-    </p:spTree>
-    <p:extLst>
-      <p:ext uri="{BB962C8B-B14F-4D97-AF65-F5344CB8AC3E}">
-        <p14:creationId xmlns:p14="http://schemas.microsoft.com/office/powerpoint/2010/main" val="4004539996"/>
-      </p:ext>
-    </p:extLst>
-  </p:cSld>
-  <p:clrMapOvr>
-    <a:masterClrMapping/>
-  </p:clrMapOvr>
-</p:sld>
-</file>
-
-<file path=ppt/slides/slide6.xml><?xml version="1.0" encoding="utf-8"?>
-<p:sld xmlns:a="http://schemas.openxmlformats.org/drawingml/2006/main" xmlns:r="http://schemas.openxmlformats.org/officeDocument/2006/relationships" xmlns:p="http://schemas.openxmlformats.org/presentationml/2006/main">
-  <p:cSld>
-    <p:spTree>
-      <p:nvGrpSpPr>
-        <p:cNvPr id="1" name=""/>
-        <p:cNvGrpSpPr/>
-        <p:nvPr/>
-      </p:nvGrpSpPr>
-      <p:grpSpPr>
-        <a:xfrm>
-          <a:off x="0" y="0"/>
-          <a:ext cx="0" cy="0"/>
-          <a:chOff x="0" y="0"/>
-          <a:chExt cx="0" cy="0"/>
-        </a:xfrm>
-      </p:grpSpPr>
-      <p:sp>
-        <p:nvSpPr>
-          <p:cNvPr id="2" name="Título 1">
-            <a:extLst>
-              <a:ext uri="{FF2B5EF4-FFF2-40B4-BE49-F238E27FC236}">
-                <a16:creationId xmlns:a16="http://schemas.microsoft.com/office/drawing/2014/main" id="{C8BFC296-050B-A68E-AB61-FC2D6415923A}"/>
-              </a:ext>
-            </a:extLst>
-          </p:cNvPr>
-          <p:cNvSpPr>
-            <a:spLocks noGrp="1"/>
-          </p:cNvSpPr>
-          <p:nvPr>
-            <p:ph type="title"/>
-          </p:nvPr>
-        </p:nvSpPr>
-        <p:spPr>
-          <a:xfrm>
-            <a:off x="755577" y="1772816"/>
-            <a:ext cx="7150818" cy="500062"/>
-          </a:xfrm>
-        </p:spPr>
-        <p:txBody>
-          <a:bodyPr/>
-          <a:lstStyle/>
-          <a:p>
-            <a:r>
-              <a:rPr lang="es-ES" dirty="0"/>
-              <a:t>¿Por qué </a:t>
-            </a:r>
-            <a:r>
-              <a:rPr lang="es-ES" dirty="0" err="1"/>
-              <a:t>XGBoost</a:t>
-            </a:r>
-            <a:r>
-              <a:rPr lang="es-ES" dirty="0"/>
-              <a:t>-CART superó a los demás?</a:t>
-            </a:r>
-            <a:endParaRPr lang="en-US" dirty="0"/>
-          </a:p>
-        </p:txBody>
-      </p:sp>
-      <p:sp>
-        <p:nvSpPr>
-          <p:cNvPr id="4" name="Rectangle 1">
-            <a:extLst>
-              <a:ext uri="{FF2B5EF4-FFF2-40B4-BE49-F238E27FC236}">
-                <a16:creationId xmlns:a16="http://schemas.microsoft.com/office/drawing/2014/main" id="{F552EFED-81CE-8BB1-8B3B-9CB64CD71427}"/>
-              </a:ext>
-            </a:extLst>
-          </p:cNvPr>
-          <p:cNvSpPr>
-            <a:spLocks noGrp="1" noChangeArrowheads="1"/>
-          </p:cNvSpPr>
-          <p:nvPr>
-            <p:ph idx="1"/>
-          </p:nvPr>
-        </p:nvSpPr>
-        <p:spPr bwMode="auto">
-          <a:xfrm>
-            <a:off x="885248" y="2883133"/>
-            <a:ext cx="8229600" cy="3046988"/>
-          </a:xfrm>
-          <a:prstGeom prst="rect">
-            <a:avLst/>
-          </a:prstGeom>
-          <a:noFill/>
-          <a:ln>
-            <a:noFill/>
-          </a:ln>
-          <a:effectLst/>
-          <a:extLst>
-            <a:ext uri="{909E8E84-426E-40DD-AFC4-6F175D3DCCD1}">
-              <a14:hiddenFill xmlns:a14="http://schemas.microsoft.com/office/drawing/2010/main">
-                <a:solidFill>
-                  <a:schemeClr val="accent1"/>
-                </a:solidFill>
-              </a14:hiddenFill>
-            </a:ext>
-            <a:ext uri="{91240B29-F687-4F45-9708-019B960494DF}">
-              <a14:hiddenLine xmlns:a14="http://schemas.microsoft.com/office/drawing/2010/main" w="9525">
-                <a:solidFill>
-                  <a:schemeClr val="tx1"/>
-                </a:solidFill>
-                <a:miter lim="800000"/>
-                <a:headEnd/>
-                <a:tailEnd/>
-              </a14:hiddenLine>
-            </a:ext>
-            <a:ext uri="{AF507438-7753-43E0-B8FC-AC1667EBCBE1}">
-              <a14:hiddenEffects xmlns:a14="http://schemas.microsoft.com/office/drawing/2010/main">
-                <a:effectLst>
-                  <a:outerShdw dist="35921" dir="2700000" algn="ctr" rotWithShape="0">
-                    <a:schemeClr val="bg2"/>
-                  </a:outerShdw>
-                </a:effectLst>
-              </a14:hiddenEffects>
-            </a:ext>
-          </a:extLst>
-        </p:spPr>
-        <p:txBody>
-          <a:bodyPr vert="horz" wrap="square" lIns="91440" tIns="45720" rIns="91440" bIns="45720" numCol="1" anchor="ctr" anchorCtr="0" compatLnSpc="1">
-            <a:prstTxWarp prst="textNoShape">
-              <a:avLst/>
-            </a:prstTxWarp>
-            <a:spAutoFit/>
-          </a:bodyPr>
-          <a:lstStyle/>
-          <a:p>
-            <a:pPr>
-              <a:spcBef>
-                <a:spcPct val="0"/>
-              </a:spcBef>
-            </a:pPr>
-            <a:r>
-              <a:rPr kumimoji="0" lang="en-US" altLang="en-US" sz="1600" i="0" u="none" strike="noStrike" cap="none" normalizeH="0" baseline="0" dirty="0">
-                <a:ln>
-                  <a:noFill/>
-                </a:ln>
-                <a:solidFill>
-                  <a:schemeClr val="tx1"/>
-                </a:solidFill>
-                <a:effectLst/>
-                <a:latin typeface="Arial" panose="020B0604020202020204" pitchFamily="34" charset="0"/>
-              </a:rPr>
-              <a:t>El </a:t>
-            </a:r>
-            <a:r>
-              <a:rPr kumimoji="0" lang="en-US" altLang="en-US" sz="1600" i="0" u="none" strike="noStrike" cap="none" normalizeH="0" baseline="0" dirty="0" err="1">
-                <a:ln>
-                  <a:noFill/>
-                </a:ln>
-                <a:solidFill>
-                  <a:schemeClr val="tx1"/>
-                </a:solidFill>
-                <a:effectLst/>
-                <a:latin typeface="Arial" panose="020B0604020202020204" pitchFamily="34" charset="0"/>
-              </a:rPr>
-              <a:t>ensamble</a:t>
-            </a:r>
-            <a:r>
-              <a:rPr kumimoji="0" lang="en-US" altLang="en-US" sz="1600" i="0" u="none" strike="noStrike" cap="none" normalizeH="0" baseline="0" dirty="0">
-                <a:ln>
-                  <a:noFill/>
-                </a:ln>
-                <a:solidFill>
-                  <a:schemeClr val="tx1"/>
-                </a:solidFill>
-                <a:effectLst/>
-                <a:latin typeface="Arial" panose="020B0604020202020204" pitchFamily="34" charset="0"/>
-              </a:rPr>
-              <a:t> </a:t>
-            </a:r>
-            <a:r>
-              <a:rPr kumimoji="0" lang="en-US" altLang="en-US" sz="1600" i="0" u="none" strike="noStrike" cap="none" normalizeH="0" baseline="0" dirty="0" err="1">
-                <a:ln>
-                  <a:noFill/>
-                </a:ln>
-                <a:solidFill>
-                  <a:schemeClr val="tx1"/>
-                </a:solidFill>
-                <a:effectLst/>
-                <a:latin typeface="Arial" panose="020B0604020202020204" pitchFamily="34" charset="0"/>
-              </a:rPr>
-              <a:t>XGBoost</a:t>
-            </a:r>
-            <a:r>
-              <a:rPr kumimoji="0" lang="en-US" altLang="en-US" sz="1600" i="0" u="none" strike="noStrike" cap="none" normalizeH="0" baseline="0" dirty="0">
-                <a:ln>
-                  <a:noFill/>
-                </a:ln>
-                <a:solidFill>
-                  <a:schemeClr val="tx1"/>
-                </a:solidFill>
-                <a:effectLst/>
-                <a:latin typeface="Arial" panose="020B0604020202020204" pitchFamily="34" charset="0"/>
-              </a:rPr>
-              <a:t>–CART </a:t>
-            </a:r>
-            <a:r>
-              <a:rPr kumimoji="0" lang="en-US" altLang="en-US" sz="1600" i="0" u="none" strike="noStrike" cap="none" normalizeH="0" baseline="0" dirty="0" err="1">
-                <a:ln>
-                  <a:noFill/>
-                </a:ln>
-                <a:solidFill>
-                  <a:schemeClr val="tx1"/>
-                </a:solidFill>
-                <a:effectLst/>
-                <a:latin typeface="Arial" panose="020B0604020202020204" pitchFamily="34" charset="0"/>
-              </a:rPr>
-              <a:t>combinó</a:t>
-            </a:r>
-            <a:r>
-              <a:rPr kumimoji="0" lang="en-US" altLang="en-US" sz="1600" i="0" u="none" strike="noStrike" cap="none" normalizeH="0" baseline="0" dirty="0">
-                <a:ln>
-                  <a:noFill/>
-                </a:ln>
-                <a:solidFill>
-                  <a:schemeClr val="tx1"/>
-                </a:solidFill>
-                <a:effectLst/>
-                <a:latin typeface="Arial" panose="020B0604020202020204" pitchFamily="34" charset="0"/>
-              </a:rPr>
-              <a:t> la </a:t>
-            </a:r>
-            <a:r>
-              <a:rPr kumimoji="0" lang="en-US" altLang="en-US" sz="1600" i="0" u="none" strike="noStrike" cap="none" normalizeH="0" baseline="0" dirty="0" err="1">
-                <a:ln>
-                  <a:noFill/>
-                </a:ln>
-                <a:solidFill>
-                  <a:schemeClr val="tx1"/>
-                </a:solidFill>
-                <a:effectLst/>
-                <a:latin typeface="Arial" panose="020B0604020202020204" pitchFamily="34" charset="0"/>
-              </a:rPr>
-              <a:t>interpretabilidad</a:t>
-            </a:r>
-            <a:r>
-              <a:rPr kumimoji="0" lang="en-US" altLang="en-US" sz="1600" i="0" u="none" strike="noStrike" cap="none" normalizeH="0" baseline="0" dirty="0">
-                <a:ln>
-                  <a:noFill/>
-                </a:ln>
-                <a:solidFill>
-                  <a:schemeClr val="tx1"/>
-                </a:solidFill>
-                <a:effectLst/>
-                <a:latin typeface="Arial" panose="020B0604020202020204" pitchFamily="34" charset="0"/>
-              </a:rPr>
-              <a:t> del árbol, con la </a:t>
-            </a:r>
-            <a:r>
-              <a:rPr kumimoji="0" lang="en-US" altLang="en-US" sz="1600" i="0" u="none" strike="noStrike" cap="none" normalizeH="0" baseline="0" dirty="0" err="1">
-                <a:ln>
-                  <a:noFill/>
-                </a:ln>
-                <a:solidFill>
-                  <a:schemeClr val="tx1"/>
-                </a:solidFill>
-                <a:effectLst/>
-                <a:latin typeface="Arial" panose="020B0604020202020204" pitchFamily="34" charset="0"/>
-              </a:rPr>
-              <a:t>capacidad</a:t>
-            </a:r>
-            <a:r>
-              <a:rPr kumimoji="0" lang="en-US" altLang="en-US" sz="1600" i="0" u="none" strike="noStrike" cap="none" normalizeH="0" baseline="0" dirty="0">
-                <a:ln>
-                  <a:noFill/>
-                </a:ln>
-                <a:solidFill>
-                  <a:schemeClr val="tx1"/>
-                </a:solidFill>
-                <a:effectLst/>
-                <a:latin typeface="Arial" panose="020B0604020202020204" pitchFamily="34" charset="0"/>
-              </a:rPr>
-              <a:t> </a:t>
-            </a:r>
-            <a:r>
-              <a:rPr kumimoji="0" lang="en-US" altLang="en-US" sz="1600" i="0" u="none" strike="noStrike" cap="none" normalizeH="0" baseline="0" dirty="0" err="1">
-                <a:ln>
-                  <a:noFill/>
-                </a:ln>
-                <a:solidFill>
-                  <a:schemeClr val="tx1"/>
-                </a:solidFill>
-                <a:effectLst/>
-                <a:latin typeface="Arial" panose="020B0604020202020204" pitchFamily="34" charset="0"/>
-              </a:rPr>
-              <a:t>predictiva</a:t>
-            </a:r>
-            <a:r>
-              <a:rPr kumimoji="0" lang="en-US" altLang="en-US" sz="1600" i="0" u="none" strike="noStrike" cap="none" normalizeH="0" baseline="0" dirty="0">
-                <a:ln>
-                  <a:noFill/>
-                </a:ln>
-                <a:solidFill>
-                  <a:schemeClr val="tx1"/>
-                </a:solidFill>
-                <a:effectLst/>
-                <a:latin typeface="Arial" panose="020B0604020202020204" pitchFamily="34" charset="0"/>
-              </a:rPr>
-              <a:t> del boosting.</a:t>
-            </a:r>
-          </a:p>
-          <a:p>
-            <a:pPr>
-              <a:spcBef>
-                <a:spcPct val="0"/>
-              </a:spcBef>
-            </a:pPr>
-            <a:r>
-              <a:rPr kumimoji="0" lang="en-US" altLang="en-US" sz="1600" i="0" u="none" strike="noStrike" cap="none" normalizeH="0" baseline="0" dirty="0" err="1">
-                <a:ln>
-                  <a:noFill/>
-                </a:ln>
-                <a:solidFill>
-                  <a:schemeClr val="tx1"/>
-                </a:solidFill>
-                <a:effectLst/>
-                <a:latin typeface="Arial" panose="020B0604020202020204" pitchFamily="34" charset="0"/>
-              </a:rPr>
-              <a:t>XGBoost</a:t>
-            </a:r>
-            <a:r>
-              <a:rPr kumimoji="0" lang="en-US" altLang="en-US" sz="1600" i="0" u="none" strike="noStrike" cap="none" normalizeH="0" baseline="0" dirty="0">
-                <a:ln>
-                  <a:noFill/>
-                </a:ln>
-                <a:solidFill>
-                  <a:schemeClr val="tx1"/>
-                </a:solidFill>
-                <a:effectLst/>
-                <a:latin typeface="Arial" panose="020B0604020202020204" pitchFamily="34" charset="0"/>
-              </a:rPr>
-              <a:t> </a:t>
-            </a:r>
-            <a:r>
-              <a:rPr kumimoji="0" lang="en-US" altLang="en-US" sz="1600" i="0" u="none" strike="noStrike" cap="none" normalizeH="0" baseline="0" dirty="0" err="1">
-                <a:ln>
-                  <a:noFill/>
-                </a:ln>
-                <a:solidFill>
-                  <a:schemeClr val="tx1"/>
-                </a:solidFill>
-                <a:effectLst/>
-                <a:latin typeface="Arial" panose="020B0604020202020204" pitchFamily="34" charset="0"/>
-              </a:rPr>
-              <a:t>aprende</a:t>
-            </a:r>
-            <a:r>
-              <a:rPr kumimoji="0" lang="en-US" altLang="en-US" sz="1600" i="0" u="none" strike="noStrike" cap="none" normalizeH="0" baseline="0" dirty="0">
-                <a:ln>
-                  <a:noFill/>
-                </a:ln>
-                <a:solidFill>
-                  <a:schemeClr val="tx1"/>
-                </a:solidFill>
-                <a:effectLst/>
-                <a:latin typeface="Arial" panose="020B0604020202020204" pitchFamily="34" charset="0"/>
-              </a:rPr>
-              <a:t> </a:t>
-            </a:r>
-            <a:r>
-              <a:rPr kumimoji="0" lang="en-US" altLang="en-US" sz="1600" i="0" u="none" strike="noStrike" cap="none" normalizeH="0" baseline="0" dirty="0" err="1">
-                <a:ln>
-                  <a:noFill/>
-                </a:ln>
-                <a:solidFill>
-                  <a:schemeClr val="tx1"/>
-                </a:solidFill>
-                <a:effectLst/>
-                <a:latin typeface="Arial" panose="020B0604020202020204" pitchFamily="34" charset="0"/>
-              </a:rPr>
-              <a:t>iterativamente</a:t>
-            </a:r>
-            <a:r>
-              <a:rPr kumimoji="0" lang="en-US" altLang="en-US" sz="1600" i="0" u="none" strike="noStrike" cap="none" normalizeH="0" baseline="0" dirty="0">
-                <a:ln>
-                  <a:noFill/>
-                </a:ln>
-                <a:solidFill>
-                  <a:schemeClr val="tx1"/>
-                </a:solidFill>
-                <a:effectLst/>
-                <a:latin typeface="Arial" panose="020B0604020202020204" pitchFamily="34" charset="0"/>
-              </a:rPr>
-              <a:t> de sus </a:t>
-            </a:r>
-            <a:r>
-              <a:rPr kumimoji="0" lang="en-US" altLang="en-US" sz="1600" i="0" u="none" strike="noStrike" cap="none" normalizeH="0" baseline="0" dirty="0" err="1">
-                <a:ln>
-                  <a:noFill/>
-                </a:ln>
-                <a:solidFill>
-                  <a:schemeClr val="tx1"/>
-                </a:solidFill>
-                <a:effectLst/>
-                <a:latin typeface="Arial" panose="020B0604020202020204" pitchFamily="34" charset="0"/>
-              </a:rPr>
-              <a:t>errores</a:t>
-            </a:r>
-            <a:r>
-              <a:rPr kumimoji="0" lang="en-US" altLang="en-US" sz="1600" i="0" u="none" strike="noStrike" cap="none" normalizeH="0" baseline="0" dirty="0">
-                <a:ln>
-                  <a:noFill/>
-                </a:ln>
-                <a:solidFill>
-                  <a:schemeClr val="tx1"/>
-                </a:solidFill>
-                <a:effectLst/>
-                <a:latin typeface="Arial" panose="020B0604020202020204" pitchFamily="34" charset="0"/>
-              </a:rPr>
-              <a:t>, </a:t>
-            </a:r>
-            <a:r>
-              <a:rPr kumimoji="0" lang="en-US" altLang="en-US" sz="1600" i="0" u="none" strike="noStrike" cap="none" normalizeH="0" baseline="0" dirty="0" err="1">
-                <a:ln>
-                  <a:noFill/>
-                </a:ln>
-                <a:solidFill>
-                  <a:schemeClr val="tx1"/>
-                </a:solidFill>
-                <a:effectLst/>
-                <a:latin typeface="Arial" panose="020B0604020202020204" pitchFamily="34" charset="0"/>
-              </a:rPr>
-              <a:t>esto</a:t>
-            </a:r>
-            <a:r>
-              <a:rPr kumimoji="0" lang="en-US" altLang="en-US" sz="1600" i="0" u="none" strike="noStrike" cap="none" normalizeH="0" baseline="0" dirty="0">
-                <a:ln>
-                  <a:noFill/>
-                </a:ln>
-                <a:solidFill>
-                  <a:schemeClr val="tx1"/>
-                </a:solidFill>
-                <a:effectLst/>
-                <a:latin typeface="Arial" panose="020B0604020202020204" pitchFamily="34" charset="0"/>
-              </a:rPr>
-              <a:t> </a:t>
-            </a:r>
-            <a:r>
-              <a:rPr kumimoji="0" lang="en-US" altLang="en-US" sz="1600" i="0" u="none" strike="noStrike" cap="none" normalizeH="0" baseline="0" dirty="0" err="1">
-                <a:ln>
-                  <a:noFill/>
-                </a:ln>
-                <a:solidFill>
-                  <a:schemeClr val="tx1"/>
-                </a:solidFill>
-                <a:effectLst/>
-                <a:latin typeface="Arial" panose="020B0604020202020204" pitchFamily="34" charset="0"/>
-              </a:rPr>
-              <a:t>resulta</a:t>
-            </a:r>
-            <a:r>
-              <a:rPr kumimoji="0" lang="en-US" altLang="en-US" sz="1600" i="0" u="none" strike="noStrike" cap="none" normalizeH="0" baseline="0" dirty="0">
-                <a:ln>
-                  <a:noFill/>
-                </a:ln>
-                <a:solidFill>
-                  <a:schemeClr val="tx1"/>
-                </a:solidFill>
-                <a:effectLst/>
-                <a:latin typeface="Arial" panose="020B0604020202020204" pitchFamily="34" charset="0"/>
-              </a:rPr>
-              <a:t> </a:t>
-            </a:r>
-            <a:r>
-              <a:rPr kumimoji="0" lang="en-US" altLang="en-US" sz="1600" i="0" u="none" strike="noStrike" cap="none" normalizeH="0" baseline="0" dirty="0" err="1">
-                <a:ln>
-                  <a:noFill/>
-                </a:ln>
-                <a:solidFill>
-                  <a:schemeClr val="tx1"/>
-                </a:solidFill>
-                <a:effectLst/>
-                <a:latin typeface="Arial" panose="020B0604020202020204" pitchFamily="34" charset="0"/>
-              </a:rPr>
-              <a:t>en</a:t>
-            </a:r>
-            <a:r>
-              <a:rPr kumimoji="0" lang="en-US" altLang="en-US" sz="1600" i="0" u="none" strike="noStrike" cap="none" normalizeH="0" baseline="0" dirty="0">
-                <a:ln>
-                  <a:noFill/>
-                </a:ln>
-                <a:solidFill>
-                  <a:schemeClr val="tx1"/>
-                </a:solidFill>
-                <a:effectLst/>
-                <a:latin typeface="Arial" panose="020B0604020202020204" pitchFamily="34" charset="0"/>
-              </a:rPr>
-              <a:t> </a:t>
-            </a:r>
-            <a:r>
-              <a:rPr kumimoji="0" lang="en-US" altLang="en-US" sz="1600" i="0" u="none" strike="noStrike" cap="none" normalizeH="0" baseline="0" dirty="0" err="1">
-                <a:ln>
-                  <a:noFill/>
-                </a:ln>
-                <a:solidFill>
-                  <a:schemeClr val="tx1"/>
-                </a:solidFill>
-                <a:effectLst/>
-                <a:latin typeface="Arial" panose="020B0604020202020204" pitchFamily="34" charset="0"/>
-              </a:rPr>
-              <a:t>reducciones</a:t>
-            </a:r>
-            <a:r>
-              <a:rPr kumimoji="0" lang="en-US" altLang="en-US" sz="1600" i="0" u="none" strike="noStrike" cap="none" normalizeH="0" baseline="0" dirty="0">
-                <a:ln>
-                  <a:noFill/>
-                </a:ln>
-                <a:solidFill>
-                  <a:schemeClr val="tx1"/>
-                </a:solidFill>
-                <a:effectLst/>
-                <a:latin typeface="Arial" panose="020B0604020202020204" pitchFamily="34" charset="0"/>
-              </a:rPr>
-              <a:t> </a:t>
-            </a:r>
-            <a:r>
-              <a:rPr kumimoji="0" lang="en-US" altLang="en-US" sz="1600" i="0" u="none" strike="noStrike" cap="none" normalizeH="0" baseline="0" dirty="0" err="1">
-                <a:ln>
-                  <a:noFill/>
-                </a:ln>
-                <a:solidFill>
-                  <a:schemeClr val="tx1"/>
-                </a:solidFill>
-                <a:effectLst/>
-                <a:latin typeface="Arial" panose="020B0604020202020204" pitchFamily="34" charset="0"/>
-              </a:rPr>
-              <a:t>en</a:t>
-            </a:r>
-            <a:r>
-              <a:rPr kumimoji="0" lang="en-US" altLang="en-US" sz="1600" i="0" u="none" strike="noStrike" cap="none" normalizeH="0" baseline="0" dirty="0">
-                <a:ln>
-                  <a:noFill/>
-                </a:ln>
-                <a:solidFill>
-                  <a:schemeClr val="tx1"/>
-                </a:solidFill>
-                <a:effectLst/>
-                <a:latin typeface="Arial" panose="020B0604020202020204" pitchFamily="34" charset="0"/>
-              </a:rPr>
-              <a:t> </a:t>
-            </a:r>
-            <a:r>
-              <a:rPr kumimoji="0" lang="en-US" altLang="en-US" sz="1600" i="0" u="none" strike="noStrike" cap="none" normalizeH="0" baseline="0" dirty="0" err="1">
-                <a:ln>
-                  <a:noFill/>
-                </a:ln>
-                <a:solidFill>
-                  <a:schemeClr val="tx1"/>
-                </a:solidFill>
-                <a:effectLst/>
-                <a:latin typeface="Arial" panose="020B0604020202020204" pitchFamily="34" charset="0"/>
-              </a:rPr>
-              <a:t>el</a:t>
-            </a:r>
-            <a:r>
-              <a:rPr kumimoji="0" lang="en-US" altLang="en-US" sz="1600" i="0" u="none" strike="noStrike" cap="none" normalizeH="0" baseline="0" dirty="0">
-                <a:ln>
-                  <a:noFill/>
-                </a:ln>
-                <a:solidFill>
-                  <a:schemeClr val="tx1"/>
-                </a:solidFill>
-                <a:effectLst/>
-                <a:latin typeface="Arial" panose="020B0604020202020204" pitchFamily="34" charset="0"/>
-              </a:rPr>
-              <a:t> </a:t>
-            </a:r>
-            <a:r>
-              <a:rPr kumimoji="0" lang="en-US" altLang="en-US" sz="1600" i="0" u="none" strike="noStrike" cap="none" normalizeH="0" baseline="0" dirty="0" err="1">
-                <a:ln>
-                  <a:noFill/>
-                </a:ln>
-                <a:solidFill>
-                  <a:schemeClr val="tx1"/>
-                </a:solidFill>
-                <a:effectLst/>
-                <a:latin typeface="Arial" panose="020B0604020202020204" pitchFamily="34" charset="0"/>
-              </a:rPr>
-              <a:t>sesgo</a:t>
-            </a:r>
-            <a:r>
-              <a:rPr kumimoji="0" lang="en-US" altLang="en-US" sz="1600" i="0" u="none" strike="noStrike" cap="none" normalizeH="0" baseline="0" dirty="0">
-                <a:ln>
-                  <a:noFill/>
-                </a:ln>
-                <a:solidFill>
-                  <a:schemeClr val="tx1"/>
-                </a:solidFill>
-                <a:effectLst/>
-                <a:latin typeface="Arial" panose="020B0604020202020204" pitchFamily="34" charset="0"/>
-              </a:rPr>
-              <a:t>.</a:t>
-            </a:r>
-          </a:p>
-          <a:p>
-            <a:pPr>
-              <a:spcBef>
-                <a:spcPct val="0"/>
-              </a:spcBef>
-            </a:pPr>
-            <a:r>
-              <a:rPr kumimoji="0" lang="en-US" altLang="en-US" sz="1600" i="0" u="none" strike="noStrike" cap="none" normalizeH="0" baseline="0" dirty="0">
-                <a:ln>
-                  <a:noFill/>
-                </a:ln>
-                <a:solidFill>
-                  <a:schemeClr val="tx1"/>
-                </a:solidFill>
-                <a:effectLst/>
-                <a:latin typeface="Arial" panose="020B0604020202020204" pitchFamily="34" charset="0"/>
-              </a:rPr>
-              <a:t>CART reduce la </a:t>
-            </a:r>
-            <a:r>
-              <a:rPr kumimoji="0" lang="en-US" altLang="en-US" sz="1600" i="0" u="none" strike="noStrike" cap="none" normalizeH="0" baseline="0" dirty="0" err="1">
-                <a:ln>
-                  <a:noFill/>
-                </a:ln>
-                <a:solidFill>
-                  <a:schemeClr val="tx1"/>
-                </a:solidFill>
-                <a:effectLst/>
-                <a:latin typeface="Arial" panose="020B0604020202020204" pitchFamily="34" charset="0"/>
-              </a:rPr>
-              <a:t>varianza</a:t>
-            </a:r>
-            <a:r>
-              <a:rPr kumimoji="0" lang="en-US" altLang="en-US" sz="1600" i="0" u="none" strike="noStrike" cap="none" normalizeH="0" baseline="0" dirty="0">
-                <a:ln>
-                  <a:noFill/>
-                </a:ln>
-                <a:solidFill>
-                  <a:schemeClr val="tx1"/>
-                </a:solidFill>
-                <a:effectLst/>
-                <a:latin typeface="Arial" panose="020B0604020202020204" pitchFamily="34" charset="0"/>
-              </a:rPr>
-              <a:t>.</a:t>
-            </a:r>
-          </a:p>
-          <a:p>
-            <a:pPr>
-              <a:spcBef>
-                <a:spcPct val="0"/>
-              </a:spcBef>
-            </a:pPr>
-            <a:r>
-              <a:rPr kumimoji="0" lang="en-US" altLang="en-US" sz="1600" i="0" u="none" strike="noStrike" cap="none" normalizeH="0" baseline="0" dirty="0">
-                <a:ln>
-                  <a:noFill/>
-                </a:ln>
-                <a:solidFill>
-                  <a:schemeClr val="tx1"/>
-                </a:solidFill>
-                <a:effectLst/>
-                <a:latin typeface="Arial" panose="020B0604020202020204" pitchFamily="34" charset="0"/>
-              </a:rPr>
-              <a:t>La </a:t>
-            </a:r>
-            <a:r>
-              <a:rPr kumimoji="0" lang="en-US" altLang="en-US" sz="1600" i="0" u="none" strike="noStrike" cap="none" normalizeH="0" baseline="0" dirty="0" err="1">
-                <a:ln>
-                  <a:noFill/>
-                </a:ln>
-                <a:solidFill>
-                  <a:schemeClr val="tx1"/>
-                </a:solidFill>
-                <a:effectLst/>
-                <a:latin typeface="Arial" panose="020B0604020202020204" pitchFamily="34" charset="0"/>
-              </a:rPr>
-              <a:t>ponderación</a:t>
-            </a:r>
-            <a:r>
-              <a:rPr kumimoji="0" lang="en-US" altLang="en-US" sz="1600" i="0" u="none" strike="noStrike" cap="none" normalizeH="0" baseline="0" dirty="0">
-                <a:ln>
-                  <a:noFill/>
-                </a:ln>
-                <a:solidFill>
-                  <a:schemeClr val="tx1"/>
-                </a:solidFill>
-                <a:effectLst/>
-                <a:latin typeface="Arial" panose="020B0604020202020204" pitchFamily="34" charset="0"/>
-              </a:rPr>
-              <a:t> (90% </a:t>
-            </a:r>
-            <a:r>
-              <a:rPr kumimoji="0" lang="en-US" altLang="en-US" sz="1600" i="0" u="none" strike="noStrike" cap="none" normalizeH="0" baseline="0" dirty="0" err="1">
-                <a:ln>
-                  <a:noFill/>
-                </a:ln>
-                <a:solidFill>
-                  <a:schemeClr val="tx1"/>
-                </a:solidFill>
-                <a:effectLst/>
-                <a:latin typeface="Arial" panose="020B0604020202020204" pitchFamily="34" charset="0"/>
-              </a:rPr>
-              <a:t>XGBoost</a:t>
-            </a:r>
-            <a:r>
-              <a:rPr kumimoji="0" lang="en-US" altLang="en-US" sz="1600" i="0" u="none" strike="noStrike" cap="none" normalizeH="0" baseline="0" dirty="0">
-                <a:ln>
-                  <a:noFill/>
-                </a:ln>
-                <a:solidFill>
-                  <a:schemeClr val="tx1"/>
-                </a:solidFill>
-                <a:effectLst/>
-                <a:latin typeface="Arial" panose="020B0604020202020204" pitchFamily="34" charset="0"/>
-              </a:rPr>
-              <a:t>, 10% CART) </a:t>
-            </a:r>
-            <a:r>
-              <a:rPr kumimoji="0" lang="en-US" altLang="en-US" sz="1600" i="0" u="none" strike="noStrike" cap="none" normalizeH="0" baseline="0" dirty="0" err="1">
-                <a:ln>
-                  <a:noFill/>
-                </a:ln>
-                <a:solidFill>
-                  <a:schemeClr val="tx1"/>
-                </a:solidFill>
-                <a:effectLst/>
-                <a:latin typeface="Arial" panose="020B0604020202020204" pitchFamily="34" charset="0"/>
-              </a:rPr>
-              <a:t>logró</a:t>
-            </a:r>
-            <a:r>
-              <a:rPr kumimoji="0" lang="en-US" altLang="en-US" sz="1600" i="0" u="none" strike="noStrike" cap="none" normalizeH="0" baseline="0" dirty="0">
-                <a:ln>
-                  <a:noFill/>
-                </a:ln>
-                <a:solidFill>
-                  <a:schemeClr val="tx1"/>
-                </a:solidFill>
-                <a:effectLst/>
-                <a:latin typeface="Arial" panose="020B0604020202020204" pitchFamily="34" charset="0"/>
-              </a:rPr>
-              <a:t> un balance </a:t>
-            </a:r>
-            <a:r>
-              <a:rPr kumimoji="0" lang="en-US" altLang="en-US" sz="1600" i="0" u="none" strike="noStrike" cap="none" normalizeH="0" baseline="0" dirty="0" err="1">
-                <a:ln>
-                  <a:noFill/>
-                </a:ln>
-                <a:solidFill>
-                  <a:schemeClr val="tx1"/>
-                </a:solidFill>
-                <a:effectLst/>
-                <a:latin typeface="Arial" panose="020B0604020202020204" pitchFamily="34" charset="0"/>
-              </a:rPr>
-              <a:t>óptimo</a:t>
-            </a:r>
-            <a:r>
-              <a:rPr kumimoji="0" lang="en-US" altLang="en-US" sz="1600" i="0" u="none" strike="noStrike" cap="none" normalizeH="0" baseline="0" dirty="0">
-                <a:ln>
-                  <a:noFill/>
-                </a:ln>
-                <a:solidFill>
-                  <a:schemeClr val="tx1"/>
-                </a:solidFill>
-                <a:effectLst/>
-                <a:latin typeface="Arial" panose="020B0604020202020204" pitchFamily="34" charset="0"/>
-              </a:rPr>
-              <a:t> entre </a:t>
-            </a:r>
-            <a:r>
-              <a:rPr kumimoji="0" lang="en-US" altLang="en-US" sz="1600" i="0" u="none" strike="noStrike" cap="none" normalizeH="0" baseline="0" dirty="0" err="1">
-                <a:ln>
-                  <a:noFill/>
-                </a:ln>
-                <a:solidFill>
-                  <a:schemeClr val="tx1"/>
-                </a:solidFill>
-                <a:effectLst/>
-                <a:latin typeface="Arial" panose="020B0604020202020204" pitchFamily="34" charset="0"/>
-              </a:rPr>
-              <a:t>precisión</a:t>
-            </a:r>
-            <a:r>
-              <a:rPr kumimoji="0" lang="en-US" altLang="en-US" sz="1600" i="0" u="none" strike="noStrike" cap="none" normalizeH="0" baseline="0" dirty="0">
-                <a:ln>
-                  <a:noFill/>
-                </a:ln>
-                <a:solidFill>
-                  <a:schemeClr val="tx1"/>
-                </a:solidFill>
-                <a:effectLst/>
-                <a:latin typeface="Arial" panose="020B0604020202020204" pitchFamily="34" charset="0"/>
-              </a:rPr>
-              <a:t> y </a:t>
-            </a:r>
-            <a:r>
-              <a:rPr kumimoji="0" lang="en-US" altLang="en-US" sz="1600" i="0" u="none" strike="noStrike" cap="none" normalizeH="0" baseline="0" dirty="0" err="1">
-                <a:ln>
-                  <a:noFill/>
-                </a:ln>
-                <a:solidFill>
-                  <a:schemeClr val="tx1"/>
-                </a:solidFill>
-                <a:effectLst/>
-                <a:latin typeface="Arial" panose="020B0604020202020204" pitchFamily="34" charset="0"/>
-              </a:rPr>
-              <a:t>estabilidad</a:t>
-            </a:r>
-            <a:r>
-              <a:rPr kumimoji="0" lang="en-US" altLang="en-US" sz="1600" i="0" u="none" strike="noStrike" cap="none" normalizeH="0" baseline="0" dirty="0">
-                <a:ln>
-                  <a:noFill/>
-                </a:ln>
-                <a:solidFill>
-                  <a:schemeClr val="tx1"/>
-                </a:solidFill>
-                <a:effectLst/>
-                <a:latin typeface="Arial" panose="020B0604020202020204" pitchFamily="34" charset="0"/>
-              </a:rPr>
-              <a:t>.</a:t>
-            </a:r>
-          </a:p>
-          <a:p>
-            <a:pPr>
-              <a:spcBef>
-                <a:spcPct val="0"/>
-              </a:spcBef>
-            </a:pPr>
-            <a:r>
-              <a:rPr kumimoji="0" lang="en-US" altLang="en-US" sz="1600" i="0" u="none" strike="noStrike" cap="none" normalizeH="0" baseline="0" dirty="0" err="1">
-                <a:ln>
-                  <a:noFill/>
-                </a:ln>
-                <a:solidFill>
-                  <a:schemeClr val="tx1"/>
-                </a:solidFill>
-                <a:effectLst/>
-                <a:latin typeface="Arial" panose="020B0604020202020204" pitchFamily="34" charset="0"/>
-              </a:rPr>
-              <a:t>Superó</a:t>
-            </a:r>
-            <a:r>
-              <a:rPr kumimoji="0" lang="en-US" altLang="en-US" sz="1600" i="0" u="none" strike="noStrike" cap="none" normalizeH="0" baseline="0" dirty="0">
-                <a:ln>
-                  <a:noFill/>
-                </a:ln>
-                <a:solidFill>
-                  <a:schemeClr val="tx1"/>
-                </a:solidFill>
-                <a:effectLst/>
-                <a:latin typeface="Arial" panose="020B0604020202020204" pitchFamily="34" charset="0"/>
-              </a:rPr>
-              <a:t> a </a:t>
-            </a:r>
-            <a:r>
-              <a:rPr kumimoji="0" lang="en-US" altLang="en-US" sz="1600" i="0" u="none" strike="noStrike" cap="none" normalizeH="0" baseline="0" dirty="0" err="1">
-                <a:ln>
-                  <a:noFill/>
-                </a:ln>
-                <a:solidFill>
-                  <a:schemeClr val="tx1"/>
-                </a:solidFill>
-                <a:effectLst/>
-                <a:latin typeface="Arial" panose="020B0604020202020204" pitchFamily="34" charset="0"/>
-              </a:rPr>
-              <a:t>todos</a:t>
-            </a:r>
-            <a:r>
-              <a:rPr kumimoji="0" lang="en-US" altLang="en-US" sz="1600" i="0" u="none" strike="noStrike" cap="none" normalizeH="0" baseline="0" dirty="0">
-                <a:ln>
-                  <a:noFill/>
-                </a:ln>
-                <a:solidFill>
-                  <a:schemeClr val="tx1"/>
-                </a:solidFill>
-                <a:effectLst/>
-                <a:latin typeface="Arial" panose="020B0604020202020204" pitchFamily="34" charset="0"/>
-              </a:rPr>
-              <a:t> </a:t>
-            </a:r>
-            <a:r>
-              <a:rPr kumimoji="0" lang="en-US" altLang="en-US" sz="1600" i="0" u="none" strike="noStrike" cap="none" normalizeH="0" baseline="0" dirty="0" err="1">
-                <a:ln>
-                  <a:noFill/>
-                </a:ln>
-                <a:solidFill>
-                  <a:schemeClr val="tx1"/>
-                </a:solidFill>
-                <a:effectLst/>
-                <a:latin typeface="Arial" panose="020B0604020202020204" pitchFamily="34" charset="0"/>
-              </a:rPr>
-              <a:t>los</a:t>
-            </a:r>
-            <a:r>
-              <a:rPr kumimoji="0" lang="en-US" altLang="en-US" sz="1600" i="0" u="none" strike="noStrike" cap="none" normalizeH="0" baseline="0" dirty="0">
-                <a:ln>
-                  <a:noFill/>
-                </a:ln>
-                <a:solidFill>
-                  <a:schemeClr val="tx1"/>
-                </a:solidFill>
-                <a:effectLst/>
-                <a:latin typeface="Arial" panose="020B0604020202020204" pitchFamily="34" charset="0"/>
-              </a:rPr>
-              <a:t> </a:t>
-            </a:r>
-            <a:r>
-              <a:rPr kumimoji="0" lang="en-US" altLang="en-US" sz="1600" i="0" u="none" strike="noStrike" cap="none" normalizeH="0" baseline="0" dirty="0" err="1">
-                <a:ln>
-                  <a:noFill/>
-                </a:ln>
-                <a:solidFill>
-                  <a:schemeClr val="tx1"/>
-                </a:solidFill>
-                <a:effectLst/>
-                <a:latin typeface="Arial" panose="020B0604020202020204" pitchFamily="34" charset="0"/>
-              </a:rPr>
-              <a:t>modelos</a:t>
-            </a:r>
-            <a:r>
-              <a:rPr kumimoji="0" lang="en-US" altLang="en-US" sz="1600" i="0" u="none" strike="noStrike" cap="none" normalizeH="0" baseline="0" dirty="0">
-                <a:ln>
-                  <a:noFill/>
-                </a:ln>
-                <a:solidFill>
-                  <a:schemeClr val="tx1"/>
-                </a:solidFill>
-                <a:effectLst/>
-                <a:latin typeface="Arial" panose="020B0604020202020204" pitchFamily="34" charset="0"/>
-              </a:rPr>
-              <a:t> </a:t>
-            </a:r>
-            <a:r>
-              <a:rPr kumimoji="0" lang="en-US" altLang="en-US" sz="1600" i="0" u="none" strike="noStrike" cap="none" normalizeH="0" baseline="0" dirty="0" err="1">
-                <a:ln>
-                  <a:noFill/>
-                </a:ln>
-                <a:solidFill>
-                  <a:schemeClr val="tx1"/>
-                </a:solidFill>
-                <a:effectLst/>
-                <a:latin typeface="Arial" panose="020B0604020202020204" pitchFamily="34" charset="0"/>
-              </a:rPr>
-              <a:t>individuales</a:t>
-            </a:r>
-            <a:r>
-              <a:rPr kumimoji="0" lang="en-US" altLang="en-US" sz="1600" i="0" u="none" strike="noStrike" cap="none" normalizeH="0" baseline="0" dirty="0">
-                <a:ln>
-                  <a:noFill/>
-                </a:ln>
-                <a:solidFill>
-                  <a:schemeClr val="tx1"/>
-                </a:solidFill>
-                <a:effectLst/>
-                <a:latin typeface="Arial" panose="020B0604020202020204" pitchFamily="34" charset="0"/>
-              </a:rPr>
-              <a:t> </a:t>
-            </a:r>
-            <a:r>
-              <a:rPr kumimoji="0" lang="en-US" altLang="en-US" sz="1600" i="0" u="none" strike="noStrike" cap="none" normalizeH="0" baseline="0" dirty="0" err="1">
-                <a:ln>
-                  <a:noFill/>
-                </a:ln>
-                <a:solidFill>
-                  <a:schemeClr val="tx1"/>
-                </a:solidFill>
-                <a:effectLst/>
-                <a:latin typeface="Arial" panose="020B0604020202020204" pitchFamily="34" charset="0"/>
-              </a:rPr>
-              <a:t>en</a:t>
-            </a:r>
-            <a:r>
-              <a:rPr kumimoji="0" lang="en-US" altLang="en-US" sz="1600" i="0" u="none" strike="noStrike" cap="none" normalizeH="0" baseline="0" dirty="0">
-                <a:ln>
-                  <a:noFill/>
-                </a:ln>
-                <a:solidFill>
-                  <a:schemeClr val="tx1"/>
-                </a:solidFill>
-                <a:effectLst/>
-                <a:latin typeface="Arial" panose="020B0604020202020204" pitchFamily="34" charset="0"/>
-              </a:rPr>
-              <a:t> F1 (0.529) y </a:t>
-            </a:r>
-            <a:r>
-              <a:rPr kumimoji="0" lang="en-US" altLang="en-US" sz="1600" i="0" u="none" strike="noStrike" cap="none" normalizeH="0" baseline="0" dirty="0" err="1">
-                <a:ln>
-                  <a:noFill/>
-                </a:ln>
-                <a:solidFill>
-                  <a:schemeClr val="tx1"/>
-                </a:solidFill>
-                <a:effectLst/>
-                <a:latin typeface="Arial" panose="020B0604020202020204" pitchFamily="34" charset="0"/>
-              </a:rPr>
-              <a:t>en</a:t>
-            </a:r>
-            <a:r>
-              <a:rPr kumimoji="0" lang="en-US" altLang="en-US" sz="1600" i="0" u="none" strike="noStrike" cap="none" normalizeH="0" baseline="0" dirty="0">
-                <a:ln>
-                  <a:noFill/>
-                </a:ln>
-                <a:solidFill>
-                  <a:schemeClr val="tx1"/>
-                </a:solidFill>
-                <a:effectLst/>
-                <a:latin typeface="Arial" panose="020B0604020202020204" pitchFamily="34" charset="0"/>
-              </a:rPr>
-              <a:t> </a:t>
-            </a:r>
-            <a:r>
-              <a:rPr kumimoji="0" lang="en-US" altLang="en-US" sz="1600" i="0" u="none" strike="noStrike" cap="none" normalizeH="0" baseline="0" dirty="0" err="1">
-                <a:ln>
-                  <a:noFill/>
-                </a:ln>
-                <a:solidFill>
-                  <a:schemeClr val="tx1"/>
-                </a:solidFill>
-                <a:effectLst/>
-                <a:latin typeface="Arial" panose="020B0604020202020204" pitchFamily="34" charset="0"/>
-              </a:rPr>
-              <a:t>el</a:t>
-            </a:r>
-            <a:r>
-              <a:rPr kumimoji="0" lang="en-US" altLang="en-US" sz="1600" i="0" u="none" strike="noStrike" cap="none" normalizeH="0" baseline="0" dirty="0">
-                <a:ln>
-                  <a:noFill/>
-                </a:ln>
-                <a:solidFill>
-                  <a:schemeClr val="tx1"/>
-                </a:solidFill>
-                <a:effectLst/>
-                <a:latin typeface="Arial" panose="020B0604020202020204" pitchFamily="34" charset="0"/>
-              </a:rPr>
-              <a:t> </a:t>
-            </a:r>
-            <a:r>
-              <a:rPr kumimoji="0" lang="en-US" altLang="en-US" sz="1600" i="0" u="none" strike="noStrike" cap="none" normalizeH="0" baseline="0" dirty="0" err="1">
-                <a:ln>
-                  <a:noFill/>
-                </a:ln>
-                <a:solidFill>
-                  <a:schemeClr val="tx1"/>
-                </a:solidFill>
-                <a:effectLst/>
-                <a:latin typeface="Arial" panose="020B0604020202020204" pitchFamily="34" charset="0"/>
-              </a:rPr>
-              <a:t>puntaje</a:t>
-            </a:r>
-            <a:r>
-              <a:rPr kumimoji="0" lang="en-US" altLang="en-US" sz="1600" i="0" u="none" strike="noStrike" cap="none" normalizeH="0" baseline="0" dirty="0">
-                <a:ln>
-                  <a:noFill/>
-                </a:ln>
-                <a:solidFill>
-                  <a:schemeClr val="tx1"/>
-                </a:solidFill>
-                <a:effectLst/>
-                <a:latin typeface="Arial" panose="020B0604020202020204" pitchFamily="34" charset="0"/>
-              </a:rPr>
-              <a:t> de Kaggle (0.54).</a:t>
-            </a:r>
-          </a:p>
-          <a:p>
-            <a:pPr>
-              <a:spcBef>
-                <a:spcPct val="0"/>
-              </a:spcBef>
-            </a:pPr>
-            <a:r>
-              <a:rPr kumimoji="0" lang="en-US" altLang="en-US" sz="1600" i="0" u="none" strike="noStrike" cap="none" normalizeH="0" baseline="0" dirty="0" err="1">
-                <a:ln>
-                  <a:noFill/>
-                </a:ln>
-                <a:solidFill>
-                  <a:schemeClr val="tx1"/>
-                </a:solidFill>
-                <a:effectLst/>
-                <a:latin typeface="Arial" panose="020B0604020202020204" pitchFamily="34" charset="0"/>
-              </a:rPr>
-              <a:t>Mantiene</a:t>
-            </a:r>
-            <a:r>
-              <a:rPr kumimoji="0" lang="en-US" altLang="en-US" sz="1600" i="0" u="none" strike="noStrike" cap="none" normalizeH="0" baseline="0" dirty="0">
-                <a:ln>
-                  <a:noFill/>
-                </a:ln>
-                <a:solidFill>
-                  <a:schemeClr val="tx1"/>
-                </a:solidFill>
-                <a:effectLst/>
-                <a:latin typeface="Arial" panose="020B0604020202020204" pitchFamily="34" charset="0"/>
-              </a:rPr>
-              <a:t> </a:t>
-            </a:r>
-            <a:r>
-              <a:rPr kumimoji="0" lang="en-US" altLang="en-US" sz="1600" i="0" u="none" strike="noStrike" cap="none" normalizeH="0" baseline="0" dirty="0" err="1">
-                <a:ln>
-                  <a:noFill/>
-                </a:ln>
-                <a:solidFill>
-                  <a:schemeClr val="tx1"/>
-                </a:solidFill>
-                <a:effectLst/>
-                <a:latin typeface="Arial" panose="020B0604020202020204" pitchFamily="34" charset="0"/>
-              </a:rPr>
-              <a:t>buena</a:t>
-            </a:r>
-            <a:r>
-              <a:rPr kumimoji="0" lang="en-US" altLang="en-US" sz="1600" i="0" u="none" strike="noStrike" cap="none" normalizeH="0" baseline="0" dirty="0">
-                <a:ln>
-                  <a:noFill/>
-                </a:ln>
-                <a:solidFill>
-                  <a:schemeClr val="tx1"/>
-                </a:solidFill>
-                <a:effectLst/>
-                <a:latin typeface="Arial" panose="020B0604020202020204" pitchFamily="34" charset="0"/>
-              </a:rPr>
-              <a:t> </a:t>
-            </a:r>
-            <a:r>
-              <a:rPr kumimoji="0" lang="en-US" altLang="en-US" sz="1600" i="0" u="none" strike="noStrike" cap="none" normalizeH="0" baseline="0" dirty="0" err="1">
-                <a:ln>
-                  <a:noFill/>
-                </a:ln>
-                <a:solidFill>
-                  <a:schemeClr val="tx1"/>
-                </a:solidFill>
-                <a:effectLst/>
-                <a:latin typeface="Arial" panose="020B0604020202020204" pitchFamily="34" charset="0"/>
-              </a:rPr>
-              <a:t>interpretabilidad</a:t>
-            </a:r>
-            <a:r>
-              <a:rPr kumimoji="0" lang="en-US" altLang="en-US" sz="1600" i="0" u="none" strike="noStrike" cap="none" normalizeH="0" baseline="0" dirty="0">
-                <a:ln>
-                  <a:noFill/>
-                </a:ln>
-                <a:solidFill>
-                  <a:schemeClr val="tx1"/>
-                </a:solidFill>
-                <a:effectLst/>
-                <a:latin typeface="Arial" panose="020B0604020202020204" pitchFamily="34" charset="0"/>
-              </a:rPr>
-              <a:t> sin </a:t>
-            </a:r>
-            <a:r>
-              <a:rPr kumimoji="0" lang="en-US" altLang="en-US" sz="1600" i="0" u="none" strike="noStrike" cap="none" normalizeH="0" baseline="0" dirty="0" err="1">
-                <a:ln>
-                  <a:noFill/>
-                </a:ln>
-                <a:solidFill>
-                  <a:schemeClr val="tx1"/>
-                </a:solidFill>
-                <a:effectLst/>
-                <a:latin typeface="Arial" panose="020B0604020202020204" pitchFamily="34" charset="0"/>
-              </a:rPr>
-              <a:t>sacrificar</a:t>
-            </a:r>
-            <a:r>
-              <a:rPr kumimoji="0" lang="en-US" altLang="en-US" sz="1600" i="0" u="none" strike="noStrike" cap="none" normalizeH="0" baseline="0" dirty="0">
-                <a:ln>
-                  <a:noFill/>
-                </a:ln>
-                <a:solidFill>
-                  <a:schemeClr val="tx1"/>
-                </a:solidFill>
-                <a:effectLst/>
-                <a:latin typeface="Arial" panose="020B0604020202020204" pitchFamily="34" charset="0"/>
-              </a:rPr>
-              <a:t> </a:t>
-            </a:r>
-            <a:r>
-              <a:rPr kumimoji="0" lang="en-US" altLang="en-US" sz="1600" i="0" u="none" strike="noStrike" cap="none" normalizeH="0" baseline="0" dirty="0" err="1">
-                <a:ln>
-                  <a:noFill/>
-                </a:ln>
-                <a:solidFill>
-                  <a:schemeClr val="tx1"/>
-                </a:solidFill>
-                <a:effectLst/>
-                <a:latin typeface="Arial" panose="020B0604020202020204" pitchFamily="34" charset="0"/>
-              </a:rPr>
-              <a:t>rendimiento</a:t>
-            </a:r>
-            <a:r>
-              <a:rPr kumimoji="0" lang="en-US" altLang="en-US" sz="1600" i="0" u="none" strike="noStrike" cap="none" normalizeH="0" baseline="0" dirty="0">
-                <a:ln>
-                  <a:noFill/>
-                </a:ln>
-                <a:solidFill>
-                  <a:schemeClr val="tx1"/>
-                </a:solidFill>
-                <a:effectLst/>
-                <a:latin typeface="Arial" panose="020B0604020202020204" pitchFamily="34" charset="0"/>
-              </a:rPr>
-              <a:t> </a:t>
-            </a:r>
-            <a:r>
-              <a:rPr kumimoji="0" lang="en-US" altLang="en-US" sz="1600" i="0" u="none" strike="noStrike" cap="none" normalizeH="0" baseline="0" dirty="0" err="1">
-                <a:ln>
-                  <a:noFill/>
-                </a:ln>
-                <a:solidFill>
-                  <a:schemeClr val="tx1"/>
-                </a:solidFill>
-                <a:effectLst/>
-                <a:latin typeface="Arial" panose="020B0604020202020204" pitchFamily="34" charset="0"/>
-              </a:rPr>
-              <a:t>predictivo</a:t>
-            </a:r>
-            <a:r>
-              <a:rPr kumimoji="0" lang="en-US" altLang="en-US" sz="1600" i="0" u="none" strike="noStrike" cap="none" normalizeH="0" baseline="0" dirty="0">
-                <a:ln>
-                  <a:noFill/>
-                </a:ln>
-                <a:solidFill>
-                  <a:schemeClr val="tx1"/>
-                </a:solidFill>
-                <a:effectLst/>
-                <a:latin typeface="Arial" panose="020B0604020202020204" pitchFamily="34" charset="0"/>
-              </a:rPr>
-              <a:t>.</a:t>
-            </a:r>
-          </a:p>
-          <a:p>
-            <a:pPr>
-              <a:spcBef>
-                <a:spcPct val="0"/>
-              </a:spcBef>
-            </a:pPr>
-            <a:r>
-              <a:rPr kumimoji="0" lang="en-US" altLang="en-US" sz="1600" i="0" u="none" strike="noStrike" cap="none" normalizeH="0" baseline="0" dirty="0" err="1">
-                <a:ln>
-                  <a:noFill/>
-                </a:ln>
-                <a:solidFill>
-                  <a:schemeClr val="tx1"/>
-                </a:solidFill>
-                <a:effectLst/>
-                <a:latin typeface="Arial" panose="020B0604020202020204" pitchFamily="34" charset="0"/>
-              </a:rPr>
-              <a:t>Representa</a:t>
-            </a:r>
-            <a:r>
-              <a:rPr kumimoji="0" lang="en-US" altLang="en-US" sz="1600" i="0" u="none" strike="noStrike" cap="none" normalizeH="0" baseline="0" dirty="0">
-                <a:ln>
-                  <a:noFill/>
-                </a:ln>
-                <a:solidFill>
-                  <a:schemeClr val="tx1"/>
-                </a:solidFill>
-                <a:effectLst/>
-                <a:latin typeface="Arial" panose="020B0604020202020204" pitchFamily="34" charset="0"/>
-              </a:rPr>
-              <a:t> </a:t>
-            </a:r>
-            <a:r>
-              <a:rPr kumimoji="0" lang="en-US" altLang="en-US" sz="1600" i="0" u="none" strike="noStrike" cap="none" normalizeH="0" baseline="0" dirty="0" err="1">
-                <a:ln>
-                  <a:noFill/>
-                </a:ln>
-                <a:solidFill>
-                  <a:schemeClr val="tx1"/>
-                </a:solidFill>
-                <a:effectLst/>
-                <a:latin typeface="Arial" panose="020B0604020202020204" pitchFamily="34" charset="0"/>
-              </a:rPr>
-              <a:t>el</a:t>
-            </a:r>
-            <a:r>
-              <a:rPr kumimoji="0" lang="en-US" altLang="en-US" sz="1600" i="0" u="none" strike="noStrike" cap="none" normalizeH="0" baseline="0" dirty="0">
-                <a:ln>
-                  <a:noFill/>
-                </a:ln>
-                <a:solidFill>
-                  <a:schemeClr val="tx1"/>
-                </a:solidFill>
-                <a:effectLst/>
-                <a:latin typeface="Arial" panose="020B0604020202020204" pitchFamily="34" charset="0"/>
-              </a:rPr>
-              <a:t> </a:t>
-            </a:r>
-            <a:r>
-              <a:rPr kumimoji="0" lang="en-US" altLang="en-US" sz="1600" i="0" u="none" strike="noStrike" cap="none" normalizeH="0" baseline="0" dirty="0" err="1">
-                <a:ln>
-                  <a:noFill/>
-                </a:ln>
-                <a:solidFill>
-                  <a:schemeClr val="tx1"/>
-                </a:solidFill>
-                <a:effectLst/>
-                <a:latin typeface="Arial" panose="020B0604020202020204" pitchFamily="34" charset="0"/>
-              </a:rPr>
-              <a:t>modelo</a:t>
-            </a:r>
-            <a:r>
-              <a:rPr kumimoji="0" lang="en-US" altLang="en-US" sz="1600" i="0" u="none" strike="noStrike" cap="none" normalizeH="0" baseline="0" dirty="0">
-                <a:ln>
-                  <a:noFill/>
-                </a:ln>
-                <a:solidFill>
-                  <a:schemeClr val="tx1"/>
-                </a:solidFill>
-                <a:effectLst/>
-                <a:latin typeface="Arial" panose="020B0604020202020204" pitchFamily="34" charset="0"/>
-              </a:rPr>
-              <a:t> </a:t>
-            </a:r>
-            <a:r>
-              <a:rPr kumimoji="0" lang="en-US" altLang="en-US" sz="1600" i="0" u="none" strike="noStrike" cap="none" normalizeH="0" baseline="0" dirty="0" err="1">
-                <a:ln>
-                  <a:noFill/>
-                </a:ln>
-                <a:solidFill>
-                  <a:schemeClr val="tx1"/>
-                </a:solidFill>
-                <a:effectLst/>
-                <a:latin typeface="Arial" panose="020B0604020202020204" pitchFamily="34" charset="0"/>
-              </a:rPr>
-              <a:t>más</a:t>
-            </a:r>
-            <a:r>
-              <a:rPr kumimoji="0" lang="en-US" altLang="en-US" sz="1600" i="0" u="none" strike="noStrike" cap="none" normalizeH="0" baseline="0" dirty="0">
-                <a:ln>
-                  <a:noFill/>
-                </a:ln>
-                <a:solidFill>
-                  <a:schemeClr val="tx1"/>
-                </a:solidFill>
-                <a:effectLst/>
-                <a:latin typeface="Arial" panose="020B0604020202020204" pitchFamily="34" charset="0"/>
-              </a:rPr>
-              <a:t> </a:t>
-            </a:r>
-            <a:r>
-              <a:rPr kumimoji="0" lang="en-US" altLang="en-US" sz="1600" i="0" u="none" strike="noStrike" cap="none" normalizeH="0" baseline="0" dirty="0" err="1">
-                <a:ln>
-                  <a:noFill/>
-                </a:ln>
-                <a:solidFill>
-                  <a:schemeClr val="tx1"/>
-                </a:solidFill>
-                <a:effectLst/>
-                <a:latin typeface="Arial" panose="020B0604020202020204" pitchFamily="34" charset="0"/>
-              </a:rPr>
-              <a:t>equilibrado</a:t>
-            </a:r>
-            <a:r>
-              <a:rPr kumimoji="0" lang="en-US" altLang="en-US" sz="1600" i="0" u="none" strike="noStrike" cap="none" normalizeH="0" baseline="0" dirty="0">
-                <a:ln>
-                  <a:noFill/>
-                </a:ln>
-                <a:solidFill>
-                  <a:schemeClr val="tx1"/>
-                </a:solidFill>
-                <a:effectLst/>
-                <a:latin typeface="Arial" panose="020B0604020202020204" pitchFamily="34" charset="0"/>
-              </a:rPr>
-              <a:t> y </a:t>
-            </a:r>
-            <a:r>
-              <a:rPr kumimoji="0" lang="en-US" altLang="en-US" sz="1600" i="0" u="none" strike="noStrike" cap="none" normalizeH="0" baseline="0" dirty="0" err="1">
-                <a:ln>
-                  <a:noFill/>
-                </a:ln>
-                <a:solidFill>
-                  <a:schemeClr val="tx1"/>
-                </a:solidFill>
-                <a:effectLst/>
-                <a:latin typeface="Arial" panose="020B0604020202020204" pitchFamily="34" charset="0"/>
-              </a:rPr>
-              <a:t>consistente</a:t>
-            </a:r>
-            <a:r>
-              <a:rPr kumimoji="0" lang="en-US" altLang="en-US" sz="1600" i="0" u="none" strike="noStrike" cap="none" normalizeH="0" baseline="0" dirty="0">
-                <a:ln>
-                  <a:noFill/>
-                </a:ln>
-                <a:solidFill>
-                  <a:schemeClr val="tx1"/>
-                </a:solidFill>
-                <a:effectLst/>
-                <a:latin typeface="Arial" panose="020B0604020202020204" pitchFamily="34" charset="0"/>
-              </a:rPr>
-              <a:t> </a:t>
-            </a:r>
-            <a:r>
-              <a:rPr kumimoji="0" lang="en-US" altLang="en-US" sz="1600" i="0" u="none" strike="noStrike" cap="none" normalizeH="0" baseline="0" dirty="0" err="1">
-                <a:ln>
-                  <a:noFill/>
-                </a:ln>
-                <a:solidFill>
-                  <a:schemeClr val="tx1"/>
-                </a:solidFill>
-                <a:effectLst/>
-                <a:latin typeface="Arial" panose="020B0604020202020204" pitchFamily="34" charset="0"/>
-              </a:rPr>
-              <a:t>frente</a:t>
-            </a:r>
-            <a:r>
-              <a:rPr kumimoji="0" lang="en-US" altLang="en-US" sz="1600" i="0" u="none" strike="noStrike" cap="none" normalizeH="0" baseline="0" dirty="0">
-                <a:ln>
-                  <a:noFill/>
-                </a:ln>
-                <a:solidFill>
-                  <a:schemeClr val="tx1"/>
-                </a:solidFill>
-                <a:effectLst/>
-                <a:latin typeface="Arial" panose="020B0604020202020204" pitchFamily="34" charset="0"/>
-              </a:rPr>
-              <a:t> a la </a:t>
-            </a:r>
-            <a:r>
-              <a:rPr kumimoji="0" lang="en-US" altLang="en-US" sz="1600" i="0" u="none" strike="noStrike" cap="none" normalizeH="0" baseline="0" dirty="0" err="1">
-                <a:ln>
-                  <a:noFill/>
-                </a:ln>
-                <a:solidFill>
-                  <a:schemeClr val="tx1"/>
-                </a:solidFill>
-                <a:effectLst/>
-                <a:latin typeface="Arial" panose="020B0604020202020204" pitchFamily="34" charset="0"/>
-              </a:rPr>
-              <a:t>complejidad</a:t>
-            </a:r>
-            <a:r>
-              <a:rPr kumimoji="0" lang="en-US" altLang="en-US" sz="1600" i="0" u="none" strike="noStrike" cap="none" normalizeH="0" baseline="0" dirty="0">
-                <a:ln>
-                  <a:noFill/>
-                </a:ln>
-                <a:solidFill>
-                  <a:schemeClr val="tx1"/>
-                </a:solidFill>
-                <a:effectLst/>
-                <a:latin typeface="Arial" panose="020B0604020202020204" pitchFamily="34" charset="0"/>
-              </a:rPr>
-              <a:t> del </a:t>
-            </a:r>
-            <a:r>
-              <a:rPr kumimoji="0" lang="en-US" altLang="en-US" sz="1600" i="0" u="none" strike="noStrike" cap="none" normalizeH="0" baseline="0" dirty="0" err="1">
-                <a:ln>
-                  <a:noFill/>
-                </a:ln>
-                <a:solidFill>
-                  <a:schemeClr val="tx1"/>
-                </a:solidFill>
-                <a:effectLst/>
-                <a:latin typeface="Arial" panose="020B0604020202020204" pitchFamily="34" charset="0"/>
-              </a:rPr>
-              <a:t>problema</a:t>
-            </a:r>
-            <a:r>
-              <a:rPr kumimoji="0" lang="en-US" altLang="en-US" sz="1600" i="0" u="none" strike="noStrike" cap="none" normalizeH="0" baseline="0" dirty="0">
-                <a:ln>
-                  <a:noFill/>
-                </a:ln>
-                <a:solidFill>
-                  <a:schemeClr val="tx1"/>
-                </a:solidFill>
-                <a:effectLst/>
-                <a:latin typeface="Arial" panose="020B0604020202020204" pitchFamily="34" charset="0"/>
-              </a:rPr>
-              <a:t>.</a:t>
-            </a:r>
-          </a:p>
-        </p:txBody>
-      </p:sp>
-    </p:spTree>
-    <p:extLst>
-      <p:ext uri="{BB962C8B-B14F-4D97-AF65-F5344CB8AC3E}">
-        <p14:creationId xmlns:p14="http://schemas.microsoft.com/office/powerpoint/2010/main" val="3709066549"/>
+        <p14:creationId xmlns:p14="http://schemas.microsoft.com/office/powerpoint/2010/main" val="2214650793"/>
       </p:ext>
     </p:extLst>
   </p:cSld>

--- a/reports/slides/othermodels_equipo_08.pptx
+++ b/reports/slides/othermodels_equipo_08.pptx
@@ -5,11 +5,16 @@
     <p:sldMasterId id="2147483648" r:id="rId1"/>
   </p:sldMasterIdLst>
   <p:notesMasterIdLst>
-    <p:notesMasterId r:id="rId4"/>
+    <p:notesMasterId r:id="rId9"/>
   </p:notesMasterIdLst>
   <p:sldIdLst>
     <p:sldId id="264" r:id="rId2"/>
     <p:sldId id="271" r:id="rId3"/>
+    <p:sldId id="276" r:id="rId4"/>
+    <p:sldId id="272" r:id="rId5"/>
+    <p:sldId id="273" r:id="rId6"/>
+    <p:sldId id="274" r:id="rId7"/>
+    <p:sldId id="275" r:id="rId8"/>
   </p:sldIdLst>
   <p:sldSz cx="9144000" cy="6858000" type="screen4x3"/>
   <p:notesSz cx="6858000" cy="9144000"/>
@@ -157,6 +162,175 @@
 </p:presentation>
 </file>
 
+<file path=ppt/revisionInfo.xml><?xml version="1.0" encoding="utf-8"?>
+<p1510:revInfo xmlns:a="http://schemas.openxmlformats.org/drawingml/2006/main" xmlns:r="http://schemas.openxmlformats.org/officeDocument/2006/relationships" xmlns:p1510="http://schemas.microsoft.com/office/powerpoint/2015/10/main">
+  <p1510:revLst>
+    <p1510:client id="{709DCD8A-416D-4996-BE60-E7BB308CC0EC}" v="41" dt="2025-11-25T00:20:52.726"/>
+  </p1510:revLst>
+</p1510:revInfo>
+</file>
+
+<file path=ppt/changesInfos/changesInfo1.xml><?xml version="1.0" encoding="utf-8"?>
+<pc:chgInfo xmlns:a="http://schemas.openxmlformats.org/drawingml/2006/main" xmlns:r="http://schemas.openxmlformats.org/officeDocument/2006/relationships" xmlns:ac="http://schemas.microsoft.com/office/drawing/2013/main/command" xmlns:pc="http://schemas.microsoft.com/office/powerpoint/2013/main/command">
+  <pc:docChgLst>
+    <pc:chgData name="Vivian Cabanzo Fernandez" userId="f1174a40-cb3d-4875-ad1e-a158f9473b83" providerId="ADAL" clId="{11C726C9-1691-4894-BB3E-C5250EEF8F8F}"/>
+    <pc:docChg chg="undo custSel addSld modSld">
+      <pc:chgData name="Vivian Cabanzo Fernandez" userId="f1174a40-cb3d-4875-ad1e-a158f9473b83" providerId="ADAL" clId="{11C726C9-1691-4894-BB3E-C5250EEF8F8F}" dt="2025-11-25T00:21:03.380" v="956" actId="20577"/>
+      <pc:docMkLst>
+        <pc:docMk/>
+      </pc:docMkLst>
+      <pc:sldChg chg="modSp new mod">
+        <pc:chgData name="Vivian Cabanzo Fernandez" userId="f1174a40-cb3d-4875-ad1e-a158f9473b83" providerId="ADAL" clId="{11C726C9-1691-4894-BB3E-C5250EEF8F8F}" dt="2025-11-24T23:32:52.922" v="86" actId="20577"/>
+        <pc:sldMkLst>
+          <pc:docMk/>
+          <pc:sldMk cId="1003365684" sldId="272"/>
+        </pc:sldMkLst>
+        <pc:spChg chg="mod">
+          <ac:chgData name="Vivian Cabanzo Fernandez" userId="f1174a40-cb3d-4875-ad1e-a158f9473b83" providerId="ADAL" clId="{11C726C9-1691-4894-BB3E-C5250EEF8F8F}" dt="2025-11-24T23:29:58.306" v="45" actId="1076"/>
+          <ac:spMkLst>
+            <pc:docMk/>
+            <pc:sldMk cId="1003365684" sldId="272"/>
+            <ac:spMk id="2" creationId="{15F947F8-2285-E657-2BEC-823DE0499F85}"/>
+          </ac:spMkLst>
+        </pc:spChg>
+        <pc:spChg chg="mod">
+          <ac:chgData name="Vivian Cabanzo Fernandez" userId="f1174a40-cb3d-4875-ad1e-a158f9473b83" providerId="ADAL" clId="{11C726C9-1691-4894-BB3E-C5250EEF8F8F}" dt="2025-11-24T23:32:52.922" v="86" actId="20577"/>
+          <ac:spMkLst>
+            <pc:docMk/>
+            <pc:sldMk cId="1003365684" sldId="272"/>
+            <ac:spMk id="3" creationId="{B5DDC59F-29ED-A5A3-1CC3-40C5D4E6EA9F}"/>
+          </ac:spMkLst>
+        </pc:spChg>
+      </pc:sldChg>
+      <pc:sldChg chg="modSp new mod">
+        <pc:chgData name="Vivian Cabanzo Fernandez" userId="f1174a40-cb3d-4875-ad1e-a158f9473b83" providerId="ADAL" clId="{11C726C9-1691-4894-BB3E-C5250EEF8F8F}" dt="2025-11-25T00:21:03.380" v="956" actId="20577"/>
+        <pc:sldMkLst>
+          <pc:docMk/>
+          <pc:sldMk cId="3802532709" sldId="273"/>
+        </pc:sldMkLst>
+        <pc:spChg chg="mod">
+          <ac:chgData name="Vivian Cabanzo Fernandez" userId="f1174a40-cb3d-4875-ad1e-a158f9473b83" providerId="ADAL" clId="{11C726C9-1691-4894-BB3E-C5250EEF8F8F}" dt="2025-11-24T23:42:05.037" v="285" actId="1076"/>
+          <ac:spMkLst>
+            <pc:docMk/>
+            <pc:sldMk cId="3802532709" sldId="273"/>
+            <ac:spMk id="2" creationId="{951705A2-5294-8655-33AA-5D0B95C3780A}"/>
+          </ac:spMkLst>
+        </pc:spChg>
+        <pc:spChg chg="mod">
+          <ac:chgData name="Vivian Cabanzo Fernandez" userId="f1174a40-cb3d-4875-ad1e-a158f9473b83" providerId="ADAL" clId="{11C726C9-1691-4894-BB3E-C5250EEF8F8F}" dt="2025-11-25T00:21:03.380" v="956" actId="20577"/>
+          <ac:spMkLst>
+            <pc:docMk/>
+            <pc:sldMk cId="3802532709" sldId="273"/>
+            <ac:spMk id="3" creationId="{F540565B-CDFF-F962-D79F-D947A7720000}"/>
+          </ac:spMkLst>
+        </pc:spChg>
+      </pc:sldChg>
+      <pc:sldChg chg="addSp delSp modSp new mod">
+        <pc:chgData name="Vivian Cabanzo Fernandez" userId="f1174a40-cb3d-4875-ad1e-a158f9473b83" providerId="ADAL" clId="{11C726C9-1691-4894-BB3E-C5250EEF8F8F}" dt="2025-11-24T23:50:11.385" v="601" actId="20577"/>
+        <pc:sldMkLst>
+          <pc:docMk/>
+          <pc:sldMk cId="572697629" sldId="274"/>
+        </pc:sldMkLst>
+        <pc:spChg chg="del mod">
+          <ac:chgData name="Vivian Cabanzo Fernandez" userId="f1174a40-cb3d-4875-ad1e-a158f9473b83" providerId="ADAL" clId="{11C726C9-1691-4894-BB3E-C5250EEF8F8F}" dt="2025-11-24T23:44:43.313" v="334"/>
+          <ac:spMkLst>
+            <pc:docMk/>
+            <pc:sldMk cId="572697629" sldId="274"/>
+            <ac:spMk id="2" creationId="{EEFDD854-1E14-1666-0C8B-73C375957A97}"/>
+          </ac:spMkLst>
+        </pc:spChg>
+        <pc:spChg chg="mod">
+          <ac:chgData name="Vivian Cabanzo Fernandez" userId="f1174a40-cb3d-4875-ad1e-a158f9473b83" providerId="ADAL" clId="{11C726C9-1691-4894-BB3E-C5250EEF8F8F}" dt="2025-11-24T23:50:11.385" v="601" actId="20577"/>
+          <ac:spMkLst>
+            <pc:docMk/>
+            <pc:sldMk cId="572697629" sldId="274"/>
+            <ac:spMk id="3" creationId="{3D37CA5A-5533-2DDC-6029-25333532BCF1}"/>
+          </ac:spMkLst>
+        </pc:spChg>
+        <pc:spChg chg="add mod">
+          <ac:chgData name="Vivian Cabanzo Fernandez" userId="f1174a40-cb3d-4875-ad1e-a158f9473b83" providerId="ADAL" clId="{11C726C9-1691-4894-BB3E-C5250EEF8F8F}" dt="2025-11-24T23:44:53.266" v="352" actId="20577"/>
+          <ac:spMkLst>
+            <pc:docMk/>
+            <pc:sldMk cId="572697629" sldId="274"/>
+            <ac:spMk id="4" creationId="{A390886A-3CEC-B7BB-0BD8-4BE55973784D}"/>
+          </ac:spMkLst>
+        </pc:spChg>
+      </pc:sldChg>
+      <pc:sldChg chg="modSp new mod">
+        <pc:chgData name="Vivian Cabanzo Fernandez" userId="f1174a40-cb3d-4875-ad1e-a158f9473b83" providerId="ADAL" clId="{11C726C9-1691-4894-BB3E-C5250EEF8F8F}" dt="2025-11-24T23:54:53.720" v="917" actId="113"/>
+        <pc:sldMkLst>
+          <pc:docMk/>
+          <pc:sldMk cId="1369700349" sldId="275"/>
+        </pc:sldMkLst>
+        <pc:spChg chg="mod">
+          <ac:chgData name="Vivian Cabanzo Fernandez" userId="f1174a40-cb3d-4875-ad1e-a158f9473b83" providerId="ADAL" clId="{11C726C9-1691-4894-BB3E-C5250EEF8F8F}" dt="2025-11-24T23:51:23.269" v="663" actId="20577"/>
+          <ac:spMkLst>
+            <pc:docMk/>
+            <pc:sldMk cId="1369700349" sldId="275"/>
+            <ac:spMk id="2" creationId="{3E578077-2DDC-81FF-834D-854B234245D9}"/>
+          </ac:spMkLst>
+        </pc:spChg>
+        <pc:spChg chg="mod">
+          <ac:chgData name="Vivian Cabanzo Fernandez" userId="f1174a40-cb3d-4875-ad1e-a158f9473b83" providerId="ADAL" clId="{11C726C9-1691-4894-BB3E-C5250EEF8F8F}" dt="2025-11-24T23:54:53.720" v="917" actId="113"/>
+          <ac:spMkLst>
+            <pc:docMk/>
+            <pc:sldMk cId="1369700349" sldId="275"/>
+            <ac:spMk id="3" creationId="{7FAB5137-806A-49C3-60ED-C96E2C2A5395}"/>
+          </ac:spMkLst>
+        </pc:spChg>
+      </pc:sldChg>
+      <pc:sldChg chg="addSp delSp modSp new mod">
+        <pc:chgData name="Vivian Cabanzo Fernandez" userId="f1174a40-cb3d-4875-ad1e-a158f9473b83" providerId="ADAL" clId="{11C726C9-1691-4894-BB3E-C5250EEF8F8F}" dt="2025-11-25T00:20:52.726" v="955" actId="1076"/>
+        <pc:sldMkLst>
+          <pc:docMk/>
+          <pc:sldMk cId="3107375035" sldId="276"/>
+        </pc:sldMkLst>
+        <pc:spChg chg="mod">
+          <ac:chgData name="Vivian Cabanzo Fernandez" userId="f1174a40-cb3d-4875-ad1e-a158f9473b83" providerId="ADAL" clId="{11C726C9-1691-4894-BB3E-C5250EEF8F8F}" dt="2025-11-25T00:20:52.726" v="955" actId="1076"/>
+          <ac:spMkLst>
+            <pc:docMk/>
+            <pc:sldMk cId="3107375035" sldId="276"/>
+            <ac:spMk id="2" creationId="{EAB3B82D-52D1-51E2-8BFD-9D9D767A370C}"/>
+          </ac:spMkLst>
+        </pc:spChg>
+        <pc:spChg chg="del">
+          <ac:chgData name="Vivian Cabanzo Fernandez" userId="f1174a40-cb3d-4875-ad1e-a158f9473b83" providerId="ADAL" clId="{11C726C9-1691-4894-BB3E-C5250EEF8F8F}" dt="2025-11-25T00:17:00.050" v="919" actId="931"/>
+          <ac:spMkLst>
+            <pc:docMk/>
+            <pc:sldMk cId="3107375035" sldId="276"/>
+            <ac:spMk id="3" creationId="{1997E425-F6AC-9C7E-8DF1-5C99F956F2EF}"/>
+          </ac:spMkLst>
+        </pc:spChg>
+        <pc:spChg chg="add del mod">
+          <ac:chgData name="Vivian Cabanzo Fernandez" userId="f1174a40-cb3d-4875-ad1e-a158f9473b83" providerId="ADAL" clId="{11C726C9-1691-4894-BB3E-C5250EEF8F8F}" dt="2025-11-25T00:20:10.861" v="924" actId="931"/>
+          <ac:spMkLst>
+            <pc:docMk/>
+            <pc:sldMk cId="3107375035" sldId="276"/>
+            <ac:spMk id="6" creationId="{4F4D036B-4DCF-0E06-65CC-6F067C02AC8B}"/>
+          </ac:spMkLst>
+        </pc:spChg>
+        <pc:picChg chg="add del mod">
+          <ac:chgData name="Vivian Cabanzo Fernandez" userId="f1174a40-cb3d-4875-ad1e-a158f9473b83" providerId="ADAL" clId="{11C726C9-1691-4894-BB3E-C5250EEF8F8F}" dt="2025-11-25T00:17:13.330" v="923" actId="478"/>
+          <ac:picMkLst>
+            <pc:docMk/>
+            <pc:sldMk cId="3107375035" sldId="276"/>
+            <ac:picMk id="5" creationId="{8525682A-6A4D-89CF-D7E2-8314F488E9A1}"/>
+          </ac:picMkLst>
+        </pc:picChg>
+        <pc:picChg chg="add mod">
+          <ac:chgData name="Vivian Cabanzo Fernandez" userId="f1174a40-cb3d-4875-ad1e-a158f9473b83" providerId="ADAL" clId="{11C726C9-1691-4894-BB3E-C5250EEF8F8F}" dt="2025-11-25T00:20:44.303" v="932" actId="1076"/>
+          <ac:picMkLst>
+            <pc:docMk/>
+            <pc:sldMk cId="3107375035" sldId="276"/>
+            <ac:picMk id="8" creationId="{6BA3A0E9-ADAC-6994-CB8E-F03525456897}"/>
+          </ac:picMkLst>
+        </pc:picChg>
+      </pc:sldChg>
+    </pc:docChg>
+  </pc:docChgLst>
+</pc:chgInfo>
+</file>
+
 <file path=ppt/notesMasters/notesMaster1.xml><?xml version="1.0" encoding="utf-8"?>
 <p:notesMaster xmlns:a="http://schemas.openxmlformats.org/drawingml/2006/main" xmlns:r="http://schemas.openxmlformats.org/officeDocument/2006/relationships" xmlns:p="http://schemas.openxmlformats.org/presentationml/2006/main">
   <p:cSld>
@@ -281,7 +455,7 @@
               <a:pPr>
                 <a:defRPr/>
               </a:pPr>
-              <a:t>23/11/2025</a:t>
+              <a:t>24/11/2025</a:t>
             </a:fld>
             <a:endParaRPr lang="es-CO"/>
           </a:p>
@@ -3746,6 +3920,1030 @@
     <p:extLst>
       <p:ext uri="{BB962C8B-B14F-4D97-AF65-F5344CB8AC3E}">
         <p14:creationId xmlns:p14="http://schemas.microsoft.com/office/powerpoint/2010/main" val="2214650793"/>
+      </p:ext>
+    </p:extLst>
+  </p:cSld>
+  <p:clrMapOvr>
+    <a:masterClrMapping/>
+  </p:clrMapOvr>
+</p:sld>
+</file>
+
+<file path=ppt/slides/slide3.xml><?xml version="1.0" encoding="utf-8"?>
+<p:sld xmlns:a="http://schemas.openxmlformats.org/drawingml/2006/main" xmlns:r="http://schemas.openxmlformats.org/officeDocument/2006/relationships" xmlns:p="http://schemas.openxmlformats.org/presentationml/2006/main">
+  <p:cSld>
+    <p:spTree>
+      <p:nvGrpSpPr>
+        <p:cNvPr id="1" name=""/>
+        <p:cNvGrpSpPr/>
+        <p:nvPr/>
+      </p:nvGrpSpPr>
+      <p:grpSpPr>
+        <a:xfrm>
+          <a:off x="0" y="0"/>
+          <a:ext cx="0" cy="0"/>
+          <a:chOff x="0" y="0"/>
+          <a:chExt cx="0" cy="0"/>
+        </a:xfrm>
+      </p:grpSpPr>
+      <p:sp>
+        <p:nvSpPr>
+          <p:cNvPr id="2" name="Título 1">
+            <a:extLst>
+              <a:ext uri="{FF2B5EF4-FFF2-40B4-BE49-F238E27FC236}">
+                <a16:creationId xmlns:a16="http://schemas.microsoft.com/office/drawing/2014/main" id="{EAB3B82D-52D1-51E2-8BFD-9D9D767A370C}"/>
+              </a:ext>
+            </a:extLst>
+          </p:cNvPr>
+          <p:cNvSpPr>
+            <a:spLocks noGrp="1"/>
+          </p:cNvSpPr>
+          <p:nvPr>
+            <p:ph type="title"/>
+          </p:nvPr>
+        </p:nvSpPr>
+        <p:spPr>
+          <a:xfrm>
+            <a:off x="631897" y="1700808"/>
+            <a:ext cx="8229600" cy="500062"/>
+          </a:xfrm>
+        </p:spPr>
+        <p:txBody>
+          <a:bodyPr/>
+          <a:lstStyle/>
+          <a:p>
+            <a:r>
+              <a:rPr lang="es-MX" dirty="0"/>
+              <a:t>Comparativa de modelos</a:t>
+            </a:r>
+            <a:endParaRPr lang="es-CO" dirty="0"/>
+          </a:p>
+        </p:txBody>
+      </p:sp>
+      <p:pic>
+        <p:nvPicPr>
+          <p:cNvPr id="8" name="Marcador de contenido 7">
+            <a:extLst>
+              <a:ext uri="{FF2B5EF4-FFF2-40B4-BE49-F238E27FC236}">
+                <a16:creationId xmlns:a16="http://schemas.microsoft.com/office/drawing/2014/main" id="{6BA3A0E9-ADAC-6994-CB8E-F03525456897}"/>
+              </a:ext>
+            </a:extLst>
+          </p:cNvPr>
+          <p:cNvPicPr>
+            <a:picLocks noGrp="1" noChangeAspect="1"/>
+          </p:cNvPicPr>
+          <p:nvPr>
+            <p:ph idx="1"/>
+          </p:nvPr>
+        </p:nvPicPr>
+        <p:blipFill rotWithShape="1">
+          <a:blip r:embed="rId2">
+            <a:extLst>
+              <a:ext uri="{28A0092B-C50C-407E-A947-70E740481C1C}">
+                <a14:useLocalDpi xmlns:a14="http://schemas.microsoft.com/office/drawing/2010/main" val="0"/>
+              </a:ext>
+            </a:extLst>
+          </a:blip>
+          <a:srcRect l="-543" b="28001"/>
+          <a:stretch>
+            <a:fillRect/>
+          </a:stretch>
+        </p:blipFill>
+        <p:spPr>
+          <a:xfrm>
+            <a:off x="611560" y="2269942"/>
+            <a:ext cx="8460432" cy="4527376"/>
+          </a:xfrm>
+        </p:spPr>
+      </p:pic>
+    </p:spTree>
+    <p:extLst>
+      <p:ext uri="{BB962C8B-B14F-4D97-AF65-F5344CB8AC3E}">
+        <p14:creationId xmlns:p14="http://schemas.microsoft.com/office/powerpoint/2010/main" val="3107375035"/>
+      </p:ext>
+    </p:extLst>
+  </p:cSld>
+  <p:clrMapOvr>
+    <a:masterClrMapping/>
+  </p:clrMapOvr>
+</p:sld>
+</file>
+
+<file path=ppt/slides/slide4.xml><?xml version="1.0" encoding="utf-8"?>
+<p:sld xmlns:a="http://schemas.openxmlformats.org/drawingml/2006/main" xmlns:r="http://schemas.openxmlformats.org/officeDocument/2006/relationships" xmlns:p="http://schemas.openxmlformats.org/presentationml/2006/main">
+  <p:cSld>
+    <p:spTree>
+      <p:nvGrpSpPr>
+        <p:cNvPr id="1" name=""/>
+        <p:cNvGrpSpPr/>
+        <p:nvPr/>
+      </p:nvGrpSpPr>
+      <p:grpSpPr>
+        <a:xfrm>
+          <a:off x="0" y="0"/>
+          <a:ext cx="0" cy="0"/>
+          <a:chOff x="0" y="0"/>
+          <a:chExt cx="0" cy="0"/>
+        </a:xfrm>
+      </p:grpSpPr>
+      <p:sp>
+        <p:nvSpPr>
+          <p:cNvPr id="2" name="Título 1">
+            <a:extLst>
+              <a:ext uri="{FF2B5EF4-FFF2-40B4-BE49-F238E27FC236}">
+                <a16:creationId xmlns:a16="http://schemas.microsoft.com/office/drawing/2014/main" id="{15F947F8-2285-E657-2BEC-823DE0499F85}"/>
+              </a:ext>
+            </a:extLst>
+          </p:cNvPr>
+          <p:cNvSpPr>
+            <a:spLocks noGrp="1"/>
+          </p:cNvSpPr>
+          <p:nvPr>
+            <p:ph type="title"/>
+          </p:nvPr>
+        </p:nvSpPr>
+        <p:spPr>
+          <a:xfrm>
+            <a:off x="885825" y="1628800"/>
+            <a:ext cx="8229600" cy="500062"/>
+          </a:xfrm>
+        </p:spPr>
+        <p:txBody>
+          <a:bodyPr/>
+          <a:lstStyle/>
+          <a:p>
+            <a:r>
+              <a:rPr lang="es-MX" dirty="0"/>
+              <a:t>Resumen de los 9 modelos</a:t>
+            </a:r>
+            <a:endParaRPr lang="es-CO" dirty="0"/>
+          </a:p>
+        </p:txBody>
+      </p:sp>
+      <p:sp>
+        <p:nvSpPr>
+          <p:cNvPr id="3" name="Marcador de contenido 2">
+            <a:extLst>
+              <a:ext uri="{FF2B5EF4-FFF2-40B4-BE49-F238E27FC236}">
+                <a16:creationId xmlns:a16="http://schemas.microsoft.com/office/drawing/2014/main" id="{B5DDC59F-29ED-A5A3-1CC3-40C5D4E6EA9F}"/>
+              </a:ext>
+            </a:extLst>
+          </p:cNvPr>
+          <p:cNvSpPr>
+            <a:spLocks noGrp="1"/>
+          </p:cNvSpPr>
+          <p:nvPr>
+            <p:ph idx="1"/>
+          </p:nvPr>
+        </p:nvSpPr>
+        <p:spPr>
+          <a:xfrm>
+            <a:off x="906492" y="2128862"/>
+            <a:ext cx="7858125" cy="4143375"/>
+          </a:xfrm>
+        </p:spPr>
+        <p:txBody>
+          <a:bodyPr/>
+          <a:lstStyle/>
+          <a:p>
+            <a:pPr marL="0" indent="0">
+              <a:buNone/>
+            </a:pPr>
+            <a:r>
+              <a:rPr lang="es-MX" dirty="0"/>
+              <a:t>Los 9 modelos representan tres familias:</a:t>
+            </a:r>
+          </a:p>
+          <a:p>
+            <a:r>
+              <a:rPr lang="es-MX" b="1" dirty="0"/>
+              <a:t>Bosques aleatorios (RF) </a:t>
+            </a:r>
+          </a:p>
+          <a:p>
+            <a:r>
+              <a:rPr lang="es-MX" b="1" dirty="0" err="1"/>
+              <a:t>SuperLearner</a:t>
+            </a:r>
+            <a:r>
+              <a:rPr lang="es-MX" b="1" dirty="0"/>
+              <a:t> (ensambles híbridos)</a:t>
+            </a:r>
+          </a:p>
+          <a:p>
+            <a:r>
+              <a:rPr lang="es-MX" b="1" dirty="0" err="1"/>
+              <a:t>Boosting</a:t>
+            </a:r>
+            <a:r>
+              <a:rPr lang="es-MX" b="1" dirty="0"/>
+              <a:t> y modelos entrenados en </a:t>
+            </a:r>
+            <a:r>
+              <a:rPr lang="es-MX" b="1" dirty="0" err="1"/>
+              <a:t>Caret</a:t>
+            </a:r>
+            <a:endParaRPr lang="es-MX" b="1" dirty="0"/>
+          </a:p>
+          <a:p>
+            <a:pPr marL="0" indent="0">
+              <a:buNone/>
+            </a:pPr>
+            <a:endParaRPr lang="es-MX" b="1" dirty="0"/>
+          </a:p>
+          <a:p>
+            <a:pPr marL="0" indent="0">
+              <a:buNone/>
+            </a:pPr>
+            <a:r>
+              <a:rPr lang="es-MX" dirty="0"/>
+              <a:t>Hallazgo general:</a:t>
+            </a:r>
+          </a:p>
+          <a:p>
+            <a:r>
+              <a:rPr lang="es-MX" dirty="0"/>
+              <a:t>La diferencia entre </a:t>
+            </a:r>
+            <a:r>
+              <a:rPr lang="es-MX" i="1" dirty="0"/>
+              <a:t>validación aleatoria</a:t>
+            </a:r>
+            <a:r>
+              <a:rPr lang="es-MX" dirty="0"/>
+              <a:t> y </a:t>
+            </a:r>
+            <a:r>
+              <a:rPr lang="es-MX" i="1" dirty="0"/>
+              <a:t>validación espacial</a:t>
+            </a:r>
+            <a:r>
+              <a:rPr lang="es-MX" dirty="0"/>
+              <a:t> explica gran parte de las caídas en </a:t>
+            </a:r>
+            <a:r>
+              <a:rPr lang="es-MX" dirty="0" err="1"/>
+              <a:t>Kaggle</a:t>
+            </a:r>
+            <a:r>
+              <a:rPr lang="es-MX" dirty="0"/>
+              <a:t>.</a:t>
+            </a:r>
+          </a:p>
+          <a:p>
+            <a:r>
+              <a:rPr lang="es-MX" dirty="0"/>
+              <a:t>Los modelos entrenados con validación aleatoria tuvieron un MAE interno muy bajo, pero fallaron al generalizar.</a:t>
+            </a:r>
+          </a:p>
+          <a:p>
+            <a:pPr marL="0" indent="0">
+              <a:buNone/>
+            </a:pPr>
+            <a:endParaRPr lang="es-MX" dirty="0"/>
+          </a:p>
+          <a:p>
+            <a:pPr marL="0" indent="0">
+              <a:buNone/>
+            </a:pPr>
+            <a:endParaRPr lang="es-MX" b="1" dirty="0"/>
+          </a:p>
+          <a:p>
+            <a:pPr marL="0" indent="0">
+              <a:buNone/>
+            </a:pPr>
+            <a:endParaRPr lang="es-CO" dirty="0"/>
+          </a:p>
+        </p:txBody>
+      </p:sp>
+    </p:spTree>
+    <p:extLst>
+      <p:ext uri="{BB962C8B-B14F-4D97-AF65-F5344CB8AC3E}">
+        <p14:creationId xmlns:p14="http://schemas.microsoft.com/office/powerpoint/2010/main" val="1003365684"/>
+      </p:ext>
+    </p:extLst>
+  </p:cSld>
+  <p:clrMapOvr>
+    <a:masterClrMapping/>
+  </p:clrMapOvr>
+</p:sld>
+</file>
+
+<file path=ppt/slides/slide5.xml><?xml version="1.0" encoding="utf-8"?>
+<p:sld xmlns:a="http://schemas.openxmlformats.org/drawingml/2006/main" xmlns:r="http://schemas.openxmlformats.org/officeDocument/2006/relationships" xmlns:p="http://schemas.openxmlformats.org/presentationml/2006/main">
+  <p:cSld>
+    <p:spTree>
+      <p:nvGrpSpPr>
+        <p:cNvPr id="1" name=""/>
+        <p:cNvGrpSpPr/>
+        <p:nvPr/>
+      </p:nvGrpSpPr>
+      <p:grpSpPr>
+        <a:xfrm>
+          <a:off x="0" y="0"/>
+          <a:ext cx="0" cy="0"/>
+          <a:chOff x="0" y="0"/>
+          <a:chExt cx="0" cy="0"/>
+        </a:xfrm>
+      </p:grpSpPr>
+      <p:sp>
+        <p:nvSpPr>
+          <p:cNvPr id="2" name="Título 1">
+            <a:extLst>
+              <a:ext uri="{FF2B5EF4-FFF2-40B4-BE49-F238E27FC236}">
+                <a16:creationId xmlns:a16="http://schemas.microsoft.com/office/drawing/2014/main" id="{951705A2-5294-8655-33AA-5D0B95C3780A}"/>
+              </a:ext>
+            </a:extLst>
+          </p:cNvPr>
+          <p:cNvSpPr>
+            <a:spLocks noGrp="1"/>
+          </p:cNvSpPr>
+          <p:nvPr>
+            <p:ph type="title"/>
+          </p:nvPr>
+        </p:nvSpPr>
+        <p:spPr>
+          <a:xfrm>
+            <a:off x="686250" y="1772816"/>
+            <a:ext cx="8229600" cy="500062"/>
+          </a:xfrm>
+        </p:spPr>
+        <p:txBody>
+          <a:bodyPr/>
+          <a:lstStyle/>
+          <a:p>
+            <a:r>
+              <a:rPr lang="es-MX" dirty="0"/>
+              <a:t>¿Por qué los </a:t>
+            </a:r>
+            <a:r>
+              <a:rPr lang="es-MX" dirty="0" err="1"/>
+              <a:t>Random</a:t>
+            </a:r>
+            <a:r>
+              <a:rPr lang="es-MX" dirty="0"/>
+              <a:t> Forest alternativos no ganaron?</a:t>
+            </a:r>
+            <a:endParaRPr lang="es-CO" dirty="0"/>
+          </a:p>
+        </p:txBody>
+      </p:sp>
+      <p:sp>
+        <p:nvSpPr>
+          <p:cNvPr id="3" name="Marcador de contenido 2">
+            <a:extLst>
+              <a:ext uri="{FF2B5EF4-FFF2-40B4-BE49-F238E27FC236}">
+                <a16:creationId xmlns:a16="http://schemas.microsoft.com/office/drawing/2014/main" id="{F540565B-CDFF-F962-D79F-D947A7720000}"/>
+              </a:ext>
+            </a:extLst>
+          </p:cNvPr>
+          <p:cNvSpPr>
+            <a:spLocks noGrp="1"/>
+          </p:cNvSpPr>
+          <p:nvPr>
+            <p:ph idx="1"/>
+          </p:nvPr>
+        </p:nvSpPr>
+        <p:spPr>
+          <a:xfrm>
+            <a:off x="1071563" y="2348880"/>
+            <a:ext cx="7858125" cy="4143375"/>
+          </a:xfrm>
+        </p:spPr>
+        <p:txBody>
+          <a:bodyPr/>
+          <a:lstStyle/>
+          <a:p>
+            <a:pPr marL="0" indent="0">
+              <a:buNone/>
+            </a:pPr>
+            <a:r>
+              <a:rPr lang="es-CO" sz="1400" b="1" u="sng" dirty="0"/>
+              <a:t>Modelos: RF variante 1 y variante 2</a:t>
+            </a:r>
+          </a:p>
+          <a:p>
+            <a:r>
+              <a:rPr lang="es-CO" sz="1400" dirty="0"/>
+              <a:t>Mismo algoritmo y casi los mismos </a:t>
+            </a:r>
+            <a:r>
+              <a:rPr lang="es-CO" sz="1400" dirty="0" err="1"/>
+              <a:t>hiperparámetros</a:t>
+            </a:r>
+            <a:r>
+              <a:rPr lang="es-CO" sz="1400" dirty="0"/>
+              <a:t> que el RF ganador:</a:t>
+            </a:r>
+          </a:p>
+          <a:p>
+            <a:pPr marL="0" indent="0">
+              <a:buNone/>
+            </a:pPr>
+            <a:endParaRPr lang="es-CO" sz="1400" b="1" dirty="0"/>
+          </a:p>
+          <a:p>
+            <a:pPr marL="0" indent="0">
+              <a:buNone/>
+            </a:pPr>
+            <a:r>
+              <a:rPr lang="es-CO" sz="1400" b="1" u="sng" dirty="0"/>
+              <a:t>Problema clave:</a:t>
+            </a:r>
+          </a:p>
+          <a:p>
+            <a:pPr marL="0" indent="0">
+              <a:buNone/>
+            </a:pPr>
+            <a:r>
+              <a:rPr lang="es-CO" sz="1400" b="1" dirty="0"/>
+              <a:t>Validación aleatoria 5-fold</a:t>
+            </a:r>
+          </a:p>
+          <a:p>
+            <a:pPr lvl="1"/>
+            <a:r>
+              <a:rPr lang="es-CO" sz="1200" dirty="0"/>
+              <a:t>mezcla viviendas cercanas.</a:t>
+            </a:r>
+          </a:p>
+          <a:p>
+            <a:pPr lvl="1"/>
+            <a:r>
+              <a:rPr lang="es-CO" sz="1200" dirty="0"/>
+              <a:t>Fuga espacial → MAE interno artificialmente optimista (≈ 120M).</a:t>
+            </a:r>
+          </a:p>
+          <a:p>
+            <a:pPr lvl="1"/>
+            <a:endParaRPr lang="es-CO" sz="1200" dirty="0"/>
+          </a:p>
+          <a:p>
+            <a:pPr marL="457200" lvl="1" indent="0">
+              <a:buNone/>
+            </a:pPr>
+            <a:endParaRPr lang="es-CO" sz="1400" dirty="0"/>
+          </a:p>
+          <a:p>
+            <a:pPr marL="0" indent="0">
+              <a:buNone/>
+            </a:pPr>
+            <a:r>
+              <a:rPr lang="es-CO" sz="1400" b="1" u="sng" dirty="0"/>
+              <a:t>Conclusión:</a:t>
+            </a:r>
+          </a:p>
+          <a:p>
+            <a:r>
+              <a:rPr lang="es-CO" sz="1400" dirty="0"/>
+              <a:t>Con la misma arquitectura, solo cambiar </a:t>
+            </a:r>
+            <a:r>
+              <a:rPr lang="es-CO" sz="1400" i="1" dirty="0"/>
+              <a:t>CV aleatoria → CV espacial</a:t>
+            </a:r>
+            <a:r>
+              <a:rPr lang="es-CO" sz="1400" dirty="0"/>
+              <a:t> define la diferencia entre “bueno” y “mejor del equipo”.</a:t>
+            </a:r>
+          </a:p>
+          <a:p>
+            <a:pPr marL="0" indent="0">
+              <a:buNone/>
+            </a:pPr>
+            <a:endParaRPr lang="es-CO" dirty="0"/>
+          </a:p>
+        </p:txBody>
+      </p:sp>
+    </p:spTree>
+    <p:extLst>
+      <p:ext uri="{BB962C8B-B14F-4D97-AF65-F5344CB8AC3E}">
+        <p14:creationId xmlns:p14="http://schemas.microsoft.com/office/powerpoint/2010/main" val="3802532709"/>
+      </p:ext>
+    </p:extLst>
+  </p:cSld>
+  <p:clrMapOvr>
+    <a:masterClrMapping/>
+  </p:clrMapOvr>
+</p:sld>
+</file>
+
+<file path=ppt/slides/slide6.xml><?xml version="1.0" encoding="utf-8"?>
+<p:sld xmlns:a="http://schemas.openxmlformats.org/drawingml/2006/main" xmlns:r="http://schemas.openxmlformats.org/officeDocument/2006/relationships" xmlns:p="http://schemas.openxmlformats.org/presentationml/2006/main">
+  <p:cSld>
+    <p:spTree>
+      <p:nvGrpSpPr>
+        <p:cNvPr id="1" name=""/>
+        <p:cNvGrpSpPr/>
+        <p:nvPr/>
+      </p:nvGrpSpPr>
+      <p:grpSpPr>
+        <a:xfrm>
+          <a:off x="0" y="0"/>
+          <a:ext cx="0" cy="0"/>
+          <a:chOff x="0" y="0"/>
+          <a:chExt cx="0" cy="0"/>
+        </a:xfrm>
+      </p:grpSpPr>
+      <p:sp>
+        <p:nvSpPr>
+          <p:cNvPr id="3" name="Marcador de contenido 2">
+            <a:extLst>
+              <a:ext uri="{FF2B5EF4-FFF2-40B4-BE49-F238E27FC236}">
+                <a16:creationId xmlns:a16="http://schemas.microsoft.com/office/drawing/2014/main" id="{3D37CA5A-5533-2DDC-6029-25333532BCF1}"/>
+              </a:ext>
+            </a:extLst>
+          </p:cNvPr>
+          <p:cNvSpPr>
+            <a:spLocks noGrp="1"/>
+          </p:cNvSpPr>
+          <p:nvPr>
+            <p:ph idx="1"/>
+          </p:nvPr>
+        </p:nvSpPr>
+        <p:spPr>
+          <a:xfrm>
+            <a:off x="1071563" y="1700808"/>
+            <a:ext cx="7858125" cy="4143375"/>
+          </a:xfrm>
+        </p:spPr>
+        <p:txBody>
+          <a:bodyPr/>
+          <a:lstStyle/>
+          <a:p>
+            <a:pPr marL="0" indent="0">
+              <a:buNone/>
+            </a:pPr>
+            <a:r>
+              <a:rPr lang="es-MX" sz="1200" b="1" u="sng" dirty="0"/>
+              <a:t>Problema estructural:</a:t>
+            </a:r>
+          </a:p>
+          <a:p>
+            <a:r>
+              <a:rPr lang="es-MX" sz="1200" dirty="0" err="1"/>
+              <a:t>SuperLearner</a:t>
+            </a:r>
+            <a:r>
+              <a:rPr lang="es-MX" sz="1200" dirty="0"/>
+              <a:t> no puede optimizar MAE internamente. El paquete </a:t>
+            </a:r>
+            <a:r>
+              <a:rPr lang="es-MX" sz="1200" dirty="0" err="1"/>
+              <a:t>Superlearner</a:t>
+            </a:r>
+            <a:r>
+              <a:rPr lang="es-MX" sz="1200" dirty="0"/>
+              <a:t> de R no lo permite directamente y se entrena bajo  la familia gaussiana.</a:t>
+            </a:r>
+          </a:p>
+          <a:p>
+            <a:r>
+              <a:rPr lang="es-MX" sz="1200" dirty="0"/>
+              <a:t>Trabajó bajo familia gaussiana → pérdida cuadrática (MSE/RMSE) = ajusta errores cuadrados</a:t>
+            </a:r>
+          </a:p>
+          <a:p>
+            <a:endParaRPr lang="es-MX" sz="1200" b="1" dirty="0"/>
+          </a:p>
+          <a:p>
+            <a:pPr marL="0" indent="0">
+              <a:buNone/>
+            </a:pPr>
+            <a:r>
+              <a:rPr lang="es-MX" sz="1200" b="1" u="sng" dirty="0"/>
+              <a:t>Implicación directa:</a:t>
+            </a:r>
+          </a:p>
+          <a:p>
+            <a:r>
+              <a:rPr lang="es-MX" sz="1200" dirty="0"/>
+              <a:t>Penaliza más unos pocos errores grandes en vez de reducir el MAE.</a:t>
+            </a:r>
+          </a:p>
+          <a:p>
+            <a:pPr marL="0" indent="0">
+              <a:buNone/>
+            </a:pPr>
+            <a:endParaRPr lang="es-MX" sz="1200" b="1" dirty="0"/>
+          </a:p>
+          <a:p>
+            <a:pPr marL="0" indent="0">
+              <a:buNone/>
+            </a:pPr>
+            <a:r>
+              <a:rPr lang="es-MX" sz="1200" b="1" u="sng" dirty="0"/>
+              <a:t>Otros problemas según versión:</a:t>
+            </a:r>
+          </a:p>
+          <a:p>
+            <a:r>
+              <a:rPr lang="es-MX" sz="1200" b="1" dirty="0"/>
+              <a:t>SL básico:</a:t>
+            </a:r>
+            <a:endParaRPr lang="es-MX" sz="1200" dirty="0"/>
+          </a:p>
+          <a:p>
+            <a:pPr lvl="1"/>
+            <a:r>
+              <a:rPr lang="es-MX" sz="1200" dirty="0"/>
+              <a:t>filtra apartamentos, genera pocas interacciones</a:t>
+            </a:r>
+          </a:p>
+          <a:p>
+            <a:pPr marL="228600" indent="-171450"/>
+            <a:r>
+              <a:rPr lang="es-MX" sz="1200" b="1" dirty="0"/>
+              <a:t>SL regularizado (</a:t>
+            </a:r>
+            <a:r>
+              <a:rPr lang="es-MX" sz="1200" b="1" dirty="0" err="1"/>
+              <a:t>GLMnet</a:t>
+            </a:r>
+            <a:r>
+              <a:rPr lang="es-MX" sz="1200" b="1" dirty="0"/>
+              <a:t> + RF + XGB):</a:t>
+            </a:r>
+            <a:endParaRPr lang="es-MX" sz="1200" dirty="0"/>
+          </a:p>
+          <a:p>
+            <a:pPr lvl="1"/>
+            <a:r>
+              <a:rPr lang="es-MX" sz="1200" dirty="0"/>
+              <a:t>Interacciones automáticas, eliminación de colinealidad</a:t>
+            </a:r>
+          </a:p>
+          <a:p>
+            <a:pPr lvl="1"/>
+            <a:r>
+              <a:rPr lang="es-MX" sz="1200" dirty="0"/>
+              <a:t>CV aleatoria</a:t>
+            </a:r>
+          </a:p>
+          <a:p>
+            <a:r>
+              <a:rPr lang="es-MX" sz="1200" b="1" dirty="0"/>
+              <a:t>SL con CV espacial por localidad:</a:t>
+            </a:r>
+            <a:endParaRPr lang="es-MX" sz="1200" dirty="0"/>
+          </a:p>
+          <a:p>
+            <a:pPr lvl="1"/>
+            <a:r>
+              <a:rPr lang="es-MX" sz="1200" dirty="0"/>
+              <a:t>validación espacial muy gruesa (localidad = zona enorme)</a:t>
+            </a:r>
+            <a:endParaRPr lang="es-MX" sz="1200" b="1" dirty="0"/>
+          </a:p>
+          <a:p>
+            <a:pPr indent="-285750"/>
+            <a:r>
+              <a:rPr lang="es-MX" sz="1200" b="1" dirty="0"/>
+              <a:t>SL avanzado:</a:t>
+            </a:r>
+            <a:endParaRPr lang="es-MX" sz="1200" dirty="0"/>
+          </a:p>
+          <a:p>
+            <a:pPr lvl="1"/>
+            <a:r>
+              <a:rPr lang="es-MX" sz="1200" dirty="0"/>
+              <a:t>Mejor ingeniería de variables de toda la clase</a:t>
+            </a:r>
+          </a:p>
+          <a:p>
+            <a:pPr lvl="1"/>
+            <a:r>
+              <a:rPr lang="es-MX" sz="1200" dirty="0"/>
+              <a:t>Pero CV aleatoria + RMSE interno → </a:t>
+            </a:r>
+            <a:r>
+              <a:rPr lang="es-MX" sz="1200" b="1" dirty="0"/>
+              <a:t>sobreajuste </a:t>
+            </a:r>
+            <a:r>
+              <a:rPr lang="es-MX" sz="1200" b="1" dirty="0" err="1"/>
+              <a:t>micro-local</a:t>
+            </a:r>
+            <a:endParaRPr lang="es-MX" sz="1200" b="1" dirty="0"/>
+          </a:p>
+          <a:p>
+            <a:pPr lvl="1"/>
+            <a:endParaRPr lang="es-MX" sz="1200" dirty="0"/>
+          </a:p>
+          <a:p>
+            <a:pPr marL="0" indent="0">
+              <a:buNone/>
+            </a:pPr>
+            <a:r>
+              <a:rPr lang="es-MX" sz="1200" b="1" u="sng" dirty="0"/>
+              <a:t>Conclusión:</a:t>
+            </a:r>
+          </a:p>
+          <a:p>
+            <a:r>
+              <a:rPr lang="es-CO" sz="1400" dirty="0"/>
+              <a:t>Métrica equivocada, </a:t>
+            </a:r>
+            <a:r>
+              <a:rPr lang="es-CO" sz="1400" dirty="0" err="1"/>
+              <a:t>espacialdad</a:t>
+            </a:r>
+            <a:r>
+              <a:rPr lang="es-CO" sz="1400" dirty="0"/>
+              <a:t> por localidad muy amplia.</a:t>
+            </a:r>
+          </a:p>
+        </p:txBody>
+      </p:sp>
+      <p:sp>
+        <p:nvSpPr>
+          <p:cNvPr id="4" name="Título 1">
+            <a:extLst>
+              <a:ext uri="{FF2B5EF4-FFF2-40B4-BE49-F238E27FC236}">
+                <a16:creationId xmlns:a16="http://schemas.microsoft.com/office/drawing/2014/main" id="{A390886A-3CEC-B7BB-0BD8-4BE55973784D}"/>
+              </a:ext>
+            </a:extLst>
+          </p:cNvPr>
+          <p:cNvSpPr>
+            <a:spLocks noGrp="1"/>
+          </p:cNvSpPr>
+          <p:nvPr>
+            <p:ph type="title"/>
+          </p:nvPr>
+        </p:nvSpPr>
+        <p:spPr>
+          <a:xfrm>
+            <a:off x="827088" y="1184275"/>
+            <a:ext cx="8229600" cy="500063"/>
+          </a:xfrm>
+        </p:spPr>
+        <p:txBody>
+          <a:bodyPr/>
+          <a:lstStyle/>
+          <a:p>
+            <a:r>
+              <a:rPr lang="es-MX" dirty="0"/>
+              <a:t>¿Por qué los </a:t>
+            </a:r>
+            <a:r>
+              <a:rPr lang="es-MX" dirty="0" err="1"/>
+              <a:t>Superlearners</a:t>
+            </a:r>
+            <a:r>
+              <a:rPr lang="es-MX" dirty="0"/>
+              <a:t> no ganaron?</a:t>
+            </a:r>
+            <a:endParaRPr lang="es-CO" dirty="0"/>
+          </a:p>
+        </p:txBody>
+      </p:sp>
+    </p:spTree>
+    <p:extLst>
+      <p:ext uri="{BB962C8B-B14F-4D97-AF65-F5344CB8AC3E}">
+        <p14:creationId xmlns:p14="http://schemas.microsoft.com/office/powerpoint/2010/main" val="572697629"/>
+      </p:ext>
+    </p:extLst>
+  </p:cSld>
+  <p:clrMapOvr>
+    <a:masterClrMapping/>
+  </p:clrMapOvr>
+</p:sld>
+</file>
+
+<file path=ppt/slides/slide7.xml><?xml version="1.0" encoding="utf-8"?>
+<p:sld xmlns:a="http://schemas.openxmlformats.org/drawingml/2006/main" xmlns:r="http://schemas.openxmlformats.org/officeDocument/2006/relationships" xmlns:p="http://schemas.openxmlformats.org/presentationml/2006/main">
+  <p:cSld>
+    <p:spTree>
+      <p:nvGrpSpPr>
+        <p:cNvPr id="1" name=""/>
+        <p:cNvGrpSpPr/>
+        <p:nvPr/>
+      </p:nvGrpSpPr>
+      <p:grpSpPr>
+        <a:xfrm>
+          <a:off x="0" y="0"/>
+          <a:ext cx="0" cy="0"/>
+          <a:chOff x="0" y="0"/>
+          <a:chExt cx="0" cy="0"/>
+        </a:xfrm>
+      </p:grpSpPr>
+      <p:sp>
+        <p:nvSpPr>
+          <p:cNvPr id="2" name="Título 1">
+            <a:extLst>
+              <a:ext uri="{FF2B5EF4-FFF2-40B4-BE49-F238E27FC236}">
+                <a16:creationId xmlns:a16="http://schemas.microsoft.com/office/drawing/2014/main" id="{3E578077-2DDC-81FF-834D-854B234245D9}"/>
+              </a:ext>
+            </a:extLst>
+          </p:cNvPr>
+          <p:cNvSpPr>
+            <a:spLocks noGrp="1"/>
+          </p:cNvSpPr>
+          <p:nvPr>
+            <p:ph type="title"/>
+          </p:nvPr>
+        </p:nvSpPr>
+        <p:spPr>
+          <a:xfrm>
+            <a:off x="710708" y="1124744"/>
+            <a:ext cx="8229600" cy="500062"/>
+          </a:xfrm>
+        </p:spPr>
+        <p:txBody>
+          <a:bodyPr/>
+          <a:lstStyle/>
+          <a:p>
+            <a:r>
+              <a:rPr lang="es-MX" dirty="0"/>
+              <a:t>¿ Por qué el </a:t>
+            </a:r>
+            <a:r>
+              <a:rPr lang="es-MX" dirty="0" err="1"/>
+              <a:t>boosting</a:t>
+            </a:r>
+            <a:r>
+              <a:rPr lang="es-MX" dirty="0"/>
+              <a:t> y </a:t>
+            </a:r>
+            <a:r>
+              <a:rPr lang="es-MX" dirty="0" err="1"/>
+              <a:t>caret</a:t>
+            </a:r>
+            <a:r>
+              <a:rPr lang="es-MX" dirty="0"/>
+              <a:t> no ganaron?</a:t>
+            </a:r>
+            <a:endParaRPr lang="es-CO" dirty="0"/>
+          </a:p>
+        </p:txBody>
+      </p:sp>
+      <p:sp>
+        <p:nvSpPr>
+          <p:cNvPr id="3" name="Marcador de contenido 2">
+            <a:extLst>
+              <a:ext uri="{FF2B5EF4-FFF2-40B4-BE49-F238E27FC236}">
+                <a16:creationId xmlns:a16="http://schemas.microsoft.com/office/drawing/2014/main" id="{7FAB5137-806A-49C3-60ED-C96E2C2A5395}"/>
+              </a:ext>
+            </a:extLst>
+          </p:cNvPr>
+          <p:cNvSpPr>
+            <a:spLocks noGrp="1"/>
+          </p:cNvSpPr>
+          <p:nvPr>
+            <p:ph idx="1"/>
+          </p:nvPr>
+        </p:nvSpPr>
+        <p:spPr>
+          <a:xfrm>
+            <a:off x="971600" y="1772816"/>
+            <a:ext cx="7858125" cy="4752528"/>
+          </a:xfrm>
+        </p:spPr>
+        <p:txBody>
+          <a:bodyPr/>
+          <a:lstStyle/>
+          <a:p>
+            <a:pPr marL="0" indent="0">
+              <a:buNone/>
+            </a:pPr>
+            <a:r>
+              <a:rPr lang="es-CO" sz="1400" b="1" u="sng" dirty="0" err="1"/>
+              <a:t>XGBoost</a:t>
+            </a:r>
+            <a:r>
+              <a:rPr lang="es-CO" sz="1400" b="1" u="sng" dirty="0"/>
+              <a:t> con métrica MAE</a:t>
+            </a:r>
+          </a:p>
+          <a:p>
+            <a:pPr marL="0" indent="0">
+              <a:buNone/>
+            </a:pPr>
+            <a:endParaRPr lang="es-CO" sz="1400" b="1" u="sng" dirty="0"/>
+          </a:p>
+          <a:p>
+            <a:pPr marL="0" indent="0">
+              <a:buNone/>
+            </a:pPr>
+            <a:r>
+              <a:rPr lang="es-CO" sz="1400" b="1" u="sng" dirty="0"/>
+              <a:t>Problemas:</a:t>
+            </a:r>
+          </a:p>
+          <a:p>
+            <a:pPr lvl="1"/>
+            <a:r>
+              <a:rPr lang="es-CO" sz="1400" dirty="0"/>
+              <a:t>validación aleatoria 5-fold</a:t>
+            </a:r>
+          </a:p>
+          <a:p>
+            <a:pPr lvl="1"/>
+            <a:r>
+              <a:rPr lang="es-CO" sz="1400" dirty="0"/>
+              <a:t>aprende patrones </a:t>
+            </a:r>
+            <a:r>
+              <a:rPr lang="es-CO" sz="1400" dirty="0" err="1"/>
+              <a:t>micro-locales</a:t>
+            </a:r>
+            <a:endParaRPr lang="es-CO" sz="1400" dirty="0"/>
+          </a:p>
+          <a:p>
+            <a:pPr lvl="1"/>
+            <a:r>
+              <a:rPr lang="es-CO" sz="1400" dirty="0"/>
+              <a:t> MAE interno muy bajo → sobreoptimismo</a:t>
+            </a:r>
+          </a:p>
+          <a:p>
+            <a:pPr marL="0" indent="0">
+              <a:buNone/>
+            </a:pPr>
+            <a:br>
+              <a:rPr lang="es-CO" sz="1400" dirty="0"/>
+            </a:br>
+            <a:endParaRPr lang="es-CO" sz="1400" dirty="0"/>
+          </a:p>
+          <a:p>
+            <a:pPr marL="0" indent="0">
+              <a:buNone/>
+            </a:pPr>
+            <a:r>
+              <a:rPr lang="es-CO" sz="1400" b="1" u="sng" dirty="0" err="1"/>
+              <a:t>Caret</a:t>
+            </a:r>
+            <a:r>
+              <a:rPr lang="es-CO" sz="1400" b="1" u="sng" dirty="0"/>
+              <a:t> (RF–GBM–XGB)</a:t>
+            </a:r>
+          </a:p>
+          <a:p>
+            <a:pPr lvl="1"/>
+            <a:r>
+              <a:rPr lang="es-CO" sz="1200" dirty="0"/>
+              <a:t> Se evaluaron 3 modelos con el mismo tratamiento de datos pero se seleccionó el que tuviera menor RMSE   → CARET</a:t>
+            </a:r>
+            <a:endParaRPr lang="es-CO" sz="1400" b="1" u="sng" dirty="0"/>
+          </a:p>
+          <a:p>
+            <a:pPr marL="0" indent="0">
+              <a:buNone/>
+            </a:pPr>
+            <a:r>
+              <a:rPr lang="es-CO" sz="1400" b="1" u="sng" dirty="0"/>
+              <a:t>Problemas:</a:t>
+            </a:r>
+          </a:p>
+          <a:p>
+            <a:pPr marL="0" indent="0">
+              <a:buNone/>
+            </a:pPr>
+            <a:r>
+              <a:rPr lang="es-CO" sz="1400" dirty="0"/>
+              <a:t>Pipelines limpios y grillas amplias.</a:t>
+            </a:r>
+          </a:p>
+          <a:p>
+            <a:pPr marL="0" indent="0">
+              <a:buNone/>
+            </a:pPr>
+            <a:r>
+              <a:rPr lang="es-CO" sz="1400" dirty="0"/>
+              <a:t>Pero:</a:t>
+            </a:r>
+          </a:p>
+          <a:p>
+            <a:pPr lvl="1"/>
+            <a:r>
+              <a:rPr lang="es-CO" sz="1400" dirty="0"/>
+              <a:t>optimiza RMSE del log-precio</a:t>
+            </a:r>
+          </a:p>
+          <a:p>
+            <a:pPr lvl="1"/>
+            <a:r>
+              <a:rPr lang="es-CO" sz="1400" dirty="0"/>
+              <a:t>transformación logarítmica desalineada con MAE real</a:t>
+            </a:r>
+          </a:p>
+          <a:p>
+            <a:pPr lvl="1"/>
+            <a:r>
+              <a:rPr lang="es-CO" sz="1400" dirty="0"/>
+              <a:t>CV aleatoria</a:t>
+            </a:r>
+            <a:br>
+              <a:rPr lang="es-CO" sz="1400" dirty="0"/>
+            </a:br>
+            <a:endParaRPr lang="es-CO" sz="1400" dirty="0"/>
+          </a:p>
+        </p:txBody>
+      </p:sp>
+    </p:spTree>
+    <p:extLst>
+      <p:ext uri="{BB962C8B-B14F-4D97-AF65-F5344CB8AC3E}">
+        <p14:creationId xmlns:p14="http://schemas.microsoft.com/office/powerpoint/2010/main" val="1369700349"/>
       </p:ext>
     </p:extLst>
   </p:cSld>
